--- a/examples/graphs.pptx
+++ b/examples/graphs.pptx
@@ -6551,7 +6551,7 @@
         </p:nvSpPr>
         <p:spPr>
           <a:xfrm>
-            <a:off x="586580" y="3200900"/>
+            <a:off x="586580" y="3213616"/>
             <a:ext cx="1499558" cy="573024"/>
           </a:xfrm>
           <a:prstGeom prst="ellipse">
@@ -8084,88 +8084,6 @@
           </a:fontRef>
         </p:style>
       </p:cxnSp>
-      <p:cxnSp>
-        <p:nvCxnSpPr>
-          <p:cNvPr id="151" name="Straight Arrow Connector 150"/>
-          <p:cNvCxnSpPr>
-            <a:stCxn id="20" idx="2"/>
-            <a:endCxn id="31" idx="3"/>
-          </p:cNvCxnSpPr>
-          <p:nvPr/>
-        </p:nvCxnSpPr>
-        <p:spPr>
-          <a:xfrm>
-            <a:off x="1336359" y="4830972"/>
-            <a:ext cx="2015491" cy="508763"/>
-          </a:xfrm>
-          <a:prstGeom prst="straightConnector1">
-            <a:avLst/>
-          </a:prstGeom>
-          <a:ln>
-            <a:solidFill>
-              <a:schemeClr val="tx1"/>
-            </a:solidFill>
-            <a:prstDash val="solid"/>
-            <a:headEnd type="none" w="med" len="med"/>
-            <a:tailEnd type="arrow" w="med" len="med"/>
-          </a:ln>
-        </p:spPr>
-        <p:style>
-          <a:lnRef idx="1">
-            <a:schemeClr val="accent1"/>
-          </a:lnRef>
-          <a:fillRef idx="0">
-            <a:schemeClr val="accent1"/>
-          </a:fillRef>
-          <a:effectRef idx="0">
-            <a:schemeClr val="accent1"/>
-          </a:effectRef>
-          <a:fontRef idx="minor">
-            <a:schemeClr val="tx1"/>
-          </a:fontRef>
-        </p:style>
-      </p:cxnSp>
-      <p:cxnSp>
-        <p:nvCxnSpPr>
-          <p:cNvPr id="154" name="Straight Arrow Connector 153"/>
-          <p:cNvCxnSpPr>
-            <a:stCxn id="28" idx="2"/>
-            <a:endCxn id="31" idx="3"/>
-          </p:cNvCxnSpPr>
-          <p:nvPr/>
-        </p:nvCxnSpPr>
-        <p:spPr>
-          <a:xfrm flipH="1">
-            <a:off x="3351850" y="4843182"/>
-            <a:ext cx="1991676" cy="496553"/>
-          </a:xfrm>
-          <a:prstGeom prst="straightConnector1">
-            <a:avLst/>
-          </a:prstGeom>
-          <a:ln>
-            <a:solidFill>
-              <a:schemeClr val="tx1"/>
-            </a:solidFill>
-            <a:prstDash val="solid"/>
-            <a:headEnd type="none" w="med" len="med"/>
-            <a:tailEnd type="arrow" w="med" len="med"/>
-          </a:ln>
-        </p:spPr>
-        <p:style>
-          <a:lnRef idx="1">
-            <a:schemeClr val="accent1"/>
-          </a:lnRef>
-          <a:fillRef idx="0">
-            <a:schemeClr val="accent1"/>
-          </a:fillRef>
-          <a:effectRef idx="0">
-            <a:schemeClr val="accent1"/>
-          </a:effectRef>
-          <a:fontRef idx="minor">
-            <a:schemeClr val="tx1"/>
-          </a:fontRef>
-        </p:style>
-      </p:cxnSp>
       <p:sp>
         <p:nvSpPr>
           <p:cNvPr id="52" name="TextBox 51"/>
@@ -8252,58 +8170,17 @@
       </p:sp>
       <p:cxnSp>
         <p:nvCxnSpPr>
-          <p:cNvPr id="160" name="Straight Arrow Connector 159"/>
+          <p:cNvPr id="163" name="Straight Arrow Connector 162"/>
           <p:cNvCxnSpPr>
-            <a:stCxn id="12" idx="2"/>
+            <a:stCxn id="23" idx="3"/>
             <a:endCxn id="159" idx="3"/>
           </p:cNvCxnSpPr>
           <p:nvPr/>
         </p:nvCxnSpPr>
         <p:spPr>
-          <a:xfrm>
-            <a:off x="3312170" y="4843182"/>
-            <a:ext cx="3733163" cy="496553"/>
-          </a:xfrm>
-          <a:prstGeom prst="straightConnector1">
-            <a:avLst/>
-          </a:prstGeom>
-          <a:ln>
-            <a:solidFill>
-              <a:schemeClr val="tx1"/>
-            </a:solidFill>
-            <a:prstDash val="solid"/>
-            <a:headEnd type="none" w="med" len="med"/>
-            <a:tailEnd type="arrow" w="med" len="med"/>
-          </a:ln>
-        </p:spPr>
-        <p:style>
-          <a:lnRef idx="1">
-            <a:schemeClr val="accent1"/>
-          </a:lnRef>
-          <a:fillRef idx="0">
-            <a:schemeClr val="accent1"/>
-          </a:fillRef>
-          <a:effectRef idx="0">
-            <a:schemeClr val="accent1"/>
-          </a:effectRef>
-          <a:fontRef idx="minor">
-            <a:schemeClr val="tx1"/>
-          </a:fontRef>
-        </p:style>
-      </p:cxnSp>
-      <p:cxnSp>
-        <p:nvCxnSpPr>
-          <p:cNvPr id="163" name="Straight Arrow Connector 162"/>
-          <p:cNvCxnSpPr>
-            <a:stCxn id="24" idx="2"/>
-            <a:endCxn id="159" idx="3"/>
-          </p:cNvCxnSpPr>
-          <p:nvPr/>
-        </p:nvCxnSpPr>
-        <p:spPr>
           <a:xfrm flipH="1">
-            <a:off x="7045333" y="4839949"/>
-            <a:ext cx="1701807" cy="499786"/>
+            <a:off x="7045333" y="3717728"/>
+            <a:ext cx="1171633" cy="1622007"/>
           </a:xfrm>
           <a:prstGeom prst="straightConnector1">
             <a:avLst/>
@@ -8869,7 +8746,7 @@
         <p:spPr>
           <a:xfrm flipH="1" flipV="1">
             <a:off x="1336358" y="2698924"/>
-            <a:ext cx="1" cy="501976"/>
+            <a:ext cx="1" cy="514692"/>
           </a:xfrm>
           <a:prstGeom prst="straightConnector1">
             <a:avLst/>
@@ -8909,8 +8786,8 @@
         </p:nvCxnSpPr>
         <p:spPr>
           <a:xfrm>
-            <a:off x="1336359" y="3773924"/>
-            <a:ext cx="0" cy="484024"/>
+            <a:off x="1336359" y="3786640"/>
+            <a:ext cx="0" cy="471308"/>
           </a:xfrm>
           <a:prstGeom prst="straightConnector1">
             <a:avLst/>
@@ -8939,6 +8816,316 @@
           </a:fontRef>
         </p:style>
       </p:cxnSp>
+      <p:cxnSp>
+        <p:nvCxnSpPr>
+          <p:cNvPr id="206" name="Curved Connector 205"/>
+          <p:cNvCxnSpPr>
+            <a:stCxn id="19" idx="2"/>
+            <a:endCxn id="31" idx="2"/>
+          </p:cNvCxnSpPr>
+          <p:nvPr/>
+        </p:nvCxnSpPr>
+        <p:spPr>
+          <a:xfrm rot="10800000" flipH="1" flipV="1">
+            <a:off x="586580" y="3500127"/>
+            <a:ext cx="2173958" cy="2126119"/>
+          </a:xfrm>
+          <a:prstGeom prst="curvedConnector3">
+            <a:avLst>
+              <a:gd name="adj1" fmla="val -10515"/>
+            </a:avLst>
+          </a:prstGeom>
+          <a:ln>
+            <a:solidFill>
+              <a:schemeClr val="tx1"/>
+            </a:solidFill>
+            <a:headEnd type="none" w="med" len="med"/>
+            <a:tailEnd type="arrow" w="med" len="med"/>
+          </a:ln>
+        </p:spPr>
+        <p:style>
+          <a:lnRef idx="1">
+            <a:schemeClr val="accent1"/>
+          </a:lnRef>
+          <a:fillRef idx="0">
+            <a:schemeClr val="accent1"/>
+          </a:fillRef>
+          <a:effectRef idx="0">
+            <a:schemeClr val="accent1"/>
+          </a:effectRef>
+          <a:fontRef idx="minor">
+            <a:schemeClr val="tx1"/>
+          </a:fontRef>
+        </p:style>
+      </p:cxnSp>
+      <p:cxnSp>
+        <p:nvCxnSpPr>
+          <p:cNvPr id="209" name="Curved Connector 208"/>
+          <p:cNvCxnSpPr>
+            <a:stCxn id="27" idx="6"/>
+            <a:endCxn id="31" idx="0"/>
+          </p:cNvCxnSpPr>
+          <p:nvPr/>
+        </p:nvCxnSpPr>
+        <p:spPr>
+          <a:xfrm flipH="1">
+            <a:off x="3943162" y="3499622"/>
+            <a:ext cx="2150143" cy="2126625"/>
+          </a:xfrm>
+          <a:prstGeom prst="curvedConnector3">
+            <a:avLst>
+              <a:gd name="adj1" fmla="val -10632"/>
+            </a:avLst>
+          </a:prstGeom>
+          <a:ln>
+            <a:solidFill>
+              <a:schemeClr val="tx1"/>
+            </a:solidFill>
+            <a:headEnd type="none" w="med" len="med"/>
+            <a:tailEnd type="arrow" w="med" len="med"/>
+          </a:ln>
+        </p:spPr>
+        <p:style>
+          <a:lnRef idx="1">
+            <a:schemeClr val="accent1"/>
+          </a:lnRef>
+          <a:fillRef idx="0">
+            <a:schemeClr val="accent1"/>
+          </a:fillRef>
+          <a:effectRef idx="0">
+            <a:schemeClr val="accent1"/>
+          </a:effectRef>
+          <a:fontRef idx="minor">
+            <a:schemeClr val="tx1"/>
+          </a:fontRef>
+        </p:style>
+      </p:cxnSp>
+      <p:cxnSp>
+        <p:nvCxnSpPr>
+          <p:cNvPr id="212" name="Curved Connector 211"/>
+          <p:cNvCxnSpPr>
+            <a:stCxn id="11" idx="5"/>
+            <a:endCxn id="159" idx="2"/>
+          </p:cNvCxnSpPr>
+          <p:nvPr/>
+        </p:nvCxnSpPr>
+        <p:spPr>
+          <a:xfrm rot="16200000" flipH="1">
+            <a:off x="4186167" y="3358393"/>
+            <a:ext cx="1924030" cy="2611677"/>
+          </a:xfrm>
+          <a:prstGeom prst="curvedConnector2">
+            <a:avLst/>
+          </a:prstGeom>
+          <a:ln>
+            <a:solidFill>
+              <a:schemeClr val="tx1"/>
+            </a:solidFill>
+            <a:headEnd type="none" w="med" len="med"/>
+            <a:tailEnd type="arrow" w="med" len="med"/>
+          </a:ln>
+        </p:spPr>
+        <p:style>
+          <a:lnRef idx="1">
+            <a:schemeClr val="accent1"/>
+          </a:lnRef>
+          <a:fillRef idx="0">
+            <a:schemeClr val="accent1"/>
+          </a:fillRef>
+          <a:effectRef idx="0">
+            <a:schemeClr val="accent1"/>
+          </a:effectRef>
+          <a:fontRef idx="minor">
+            <a:schemeClr val="tx1"/>
+          </a:fontRef>
+        </p:style>
+      </p:cxnSp>
+      <p:sp>
+        <p:nvSpPr>
+          <p:cNvPr id="215" name="TextBox 214"/>
+          <p:cNvSpPr txBox="1"/>
+          <p:nvPr/>
+        </p:nvSpPr>
+        <p:spPr>
+          <a:xfrm>
+            <a:off x="1263554" y="5939847"/>
+            <a:ext cx="620683" cy="246221"/>
+          </a:xfrm>
+          <a:prstGeom prst="rect">
+            <a:avLst/>
+          </a:prstGeom>
+          <a:noFill/>
+        </p:spPr>
+        <p:txBody>
+          <a:bodyPr wrap="none" rtlCol="0">
+            <a:spAutoFit/>
+          </a:bodyPr>
+          <a:lstStyle/>
+          <a:p>
+            <a:r>
+              <a:rPr lang="en-US" sz="1000"/>
+              <a:t>storedIn</a:t>
+            </a:r>
+          </a:p>
+        </p:txBody>
+      </p:sp>
+      <p:sp>
+        <p:nvSpPr>
+          <p:cNvPr id="216" name="TextBox 215"/>
+          <p:cNvSpPr txBox="1"/>
+          <p:nvPr/>
+        </p:nvSpPr>
+        <p:spPr>
+          <a:xfrm>
+            <a:off x="4065385" y="5939848"/>
+            <a:ext cx="620683" cy="246221"/>
+          </a:xfrm>
+          <a:prstGeom prst="rect">
+            <a:avLst/>
+          </a:prstGeom>
+          <a:noFill/>
+        </p:spPr>
+        <p:txBody>
+          <a:bodyPr wrap="none" rtlCol="0">
+            <a:spAutoFit/>
+          </a:bodyPr>
+          <a:lstStyle/>
+          <a:p>
+            <a:r>
+              <a:rPr lang="en-US" sz="1000"/>
+              <a:t>storedIn</a:t>
+            </a:r>
+          </a:p>
+        </p:txBody>
+      </p:sp>
+      <p:sp>
+        <p:nvSpPr>
+          <p:cNvPr id="217" name="TextBox 216"/>
+          <p:cNvSpPr txBox="1"/>
+          <p:nvPr/>
+        </p:nvSpPr>
+        <p:spPr>
+          <a:xfrm>
+            <a:off x="8163330" y="5801622"/>
+            <a:ext cx="620683" cy="246221"/>
+          </a:xfrm>
+          <a:prstGeom prst="rect">
+            <a:avLst/>
+          </a:prstGeom>
+          <a:noFill/>
+        </p:spPr>
+        <p:txBody>
+          <a:bodyPr wrap="none" rtlCol="0">
+            <a:spAutoFit/>
+          </a:bodyPr>
+          <a:lstStyle/>
+          <a:p>
+            <a:r>
+              <a:rPr lang="en-US" sz="1000"/>
+              <a:t>storedIn</a:t>
+            </a:r>
+          </a:p>
+        </p:txBody>
+      </p:sp>
+      <p:sp>
+        <p:nvSpPr>
+          <p:cNvPr id="218" name="TextBox 217"/>
+          <p:cNvSpPr txBox="1"/>
+          <p:nvPr/>
+        </p:nvSpPr>
+        <p:spPr>
+          <a:xfrm>
+            <a:off x="5070532" y="5797518"/>
+            <a:ext cx="620683" cy="246221"/>
+          </a:xfrm>
+          <a:prstGeom prst="rect">
+            <a:avLst/>
+          </a:prstGeom>
+          <a:noFill/>
+        </p:spPr>
+        <p:txBody>
+          <a:bodyPr wrap="none" rtlCol="0">
+            <a:spAutoFit/>
+          </a:bodyPr>
+          <a:lstStyle/>
+          <a:p>
+            <a:r>
+              <a:rPr lang="en-US" sz="1000"/>
+              <a:t>storedIn</a:t>
+            </a:r>
+          </a:p>
+        </p:txBody>
+      </p:sp>
+      <p:cxnSp>
+        <p:nvCxnSpPr>
+          <p:cNvPr id="219" name="Straight Arrow Connector 218"/>
+          <p:cNvCxnSpPr>
+            <a:stCxn id="11" idx="2"/>
+            <a:endCxn id="19" idx="6"/>
+          </p:cNvCxnSpPr>
+          <p:nvPr/>
+        </p:nvCxnSpPr>
+        <p:spPr>
+          <a:xfrm flipH="1">
+            <a:off x="2086138" y="3499622"/>
+            <a:ext cx="476253" cy="506"/>
+          </a:xfrm>
+          <a:prstGeom prst="straightConnector1">
+            <a:avLst/>
+          </a:prstGeom>
+          <a:ln>
+            <a:solidFill>
+              <a:schemeClr val="tx1"/>
+            </a:solidFill>
+            <a:prstDash val="solid"/>
+            <a:headEnd type="none" w="med" len="med"/>
+            <a:tailEnd type="arrow" w="med" len="med"/>
+          </a:ln>
+        </p:spPr>
+        <p:style>
+          <a:lnRef idx="1">
+            <a:schemeClr val="accent1"/>
+          </a:lnRef>
+          <a:fillRef idx="0">
+            <a:schemeClr val="accent1"/>
+          </a:fillRef>
+          <a:effectRef idx="0">
+            <a:schemeClr val="accent1"/>
+          </a:effectRef>
+          <a:fontRef idx="minor">
+            <a:schemeClr val="tx1"/>
+          </a:fontRef>
+        </p:style>
+      </p:cxnSp>
+      <p:sp>
+        <p:nvSpPr>
+          <p:cNvPr id="222" name="TextBox 221"/>
+          <p:cNvSpPr txBox="1"/>
+          <p:nvPr/>
+        </p:nvSpPr>
+        <p:spPr>
+          <a:xfrm>
+            <a:off x="2039697" y="3555424"/>
+            <a:ext cx="688009" cy="246221"/>
+          </a:xfrm>
+          <a:prstGeom prst="rect">
+            <a:avLst/>
+          </a:prstGeom>
+          <a:noFill/>
+        </p:spPr>
+        <p:txBody>
+          <a:bodyPr wrap="none" rtlCol="0">
+            <a:spAutoFit/>
+          </a:bodyPr>
+          <a:lstStyle/>
+          <a:p>
+            <a:r>
+              <a:rPr lang="en-US" sz="1000"/>
+              <a:t>relatedTo</a:t>
+            </a:r>
+          </a:p>
+        </p:txBody>
+      </p:sp>
     </p:spTree>
     <p:extLst>
       <p:ext uri="{BB962C8B-B14F-4D97-AF65-F5344CB8AC3E}">

--- a/examples/graphs.pptx
+++ b/examples/graphs.pptx
@@ -241,7 +241,7 @@
           <a:lstStyle/>
           <a:p>
             <a:fld id="{983D4BFA-9740-0844-8586-F9F49DD05A01}" type="datetimeFigureOut">
-              <a:t>31/8/17</a:t>
+              <a:t>1/9/17</a:t>
             </a:fld>
             <a:endParaRPr lang="en-US"/>
           </a:p>
@@ -407,7 +407,7 @@
           <a:lstStyle/>
           <a:p>
             <a:fld id="{983D4BFA-9740-0844-8586-F9F49DD05A01}" type="datetimeFigureOut">
-              <a:t>31/8/17</a:t>
+              <a:t>1/9/17</a:t>
             </a:fld>
             <a:endParaRPr lang="en-US"/>
           </a:p>
@@ -583,7 +583,7 @@
           <a:lstStyle/>
           <a:p>
             <a:fld id="{983D4BFA-9740-0844-8586-F9F49DD05A01}" type="datetimeFigureOut">
-              <a:t>31/8/17</a:t>
+              <a:t>1/9/17</a:t>
             </a:fld>
             <a:endParaRPr lang="en-US"/>
           </a:p>
@@ -749,7 +749,7 @@
           <a:lstStyle/>
           <a:p>
             <a:fld id="{983D4BFA-9740-0844-8586-F9F49DD05A01}" type="datetimeFigureOut">
-              <a:t>31/8/17</a:t>
+              <a:t>1/9/17</a:t>
             </a:fld>
             <a:endParaRPr lang="en-US"/>
           </a:p>
@@ -992,7 +992,7 @@
           <a:lstStyle/>
           <a:p>
             <a:fld id="{983D4BFA-9740-0844-8586-F9F49DD05A01}" type="datetimeFigureOut">
-              <a:t>31/8/17</a:t>
+              <a:t>1/9/17</a:t>
             </a:fld>
             <a:endParaRPr lang="en-US"/>
           </a:p>
@@ -1219,7 +1219,7 @@
           <a:lstStyle/>
           <a:p>
             <a:fld id="{983D4BFA-9740-0844-8586-F9F49DD05A01}" type="datetimeFigureOut">
-              <a:t>31/8/17</a:t>
+              <a:t>1/9/17</a:t>
             </a:fld>
             <a:endParaRPr lang="en-US"/>
           </a:p>
@@ -1581,7 +1581,7 @@
           <a:lstStyle/>
           <a:p>
             <a:fld id="{983D4BFA-9740-0844-8586-F9F49DD05A01}" type="datetimeFigureOut">
-              <a:t>31/8/17</a:t>
+              <a:t>1/9/17</a:t>
             </a:fld>
             <a:endParaRPr lang="en-US"/>
           </a:p>
@@ -1696,7 +1696,7 @@
           <a:lstStyle/>
           <a:p>
             <a:fld id="{983D4BFA-9740-0844-8586-F9F49DD05A01}" type="datetimeFigureOut">
-              <a:t>31/8/17</a:t>
+              <a:t>1/9/17</a:t>
             </a:fld>
             <a:endParaRPr lang="en-US"/>
           </a:p>
@@ -1789,7 +1789,7 @@
           <a:lstStyle/>
           <a:p>
             <a:fld id="{983D4BFA-9740-0844-8586-F9F49DD05A01}" type="datetimeFigureOut">
-              <a:t>31/8/17</a:t>
+              <a:t>1/9/17</a:t>
             </a:fld>
             <a:endParaRPr lang="en-US"/>
           </a:p>
@@ -2062,7 +2062,7 @@
           <a:lstStyle/>
           <a:p>
             <a:fld id="{983D4BFA-9740-0844-8586-F9F49DD05A01}" type="datetimeFigureOut">
-              <a:t>31/8/17</a:t>
+              <a:t>1/9/17</a:t>
             </a:fld>
             <a:endParaRPr lang="en-US"/>
           </a:p>
@@ -2312,7 +2312,7 @@
           <a:lstStyle/>
           <a:p>
             <a:fld id="{983D4BFA-9740-0844-8586-F9F49DD05A01}" type="datetimeFigureOut">
-              <a:t>31/8/17</a:t>
+              <a:t>1/9/17</a:t>
             </a:fld>
             <a:endParaRPr lang="en-US"/>
           </a:p>
@@ -2521,7 +2521,7 @@
           </a:lstStyle>
           <a:p>
             <a:fld id="{983D4BFA-9740-0844-8586-F9F49DD05A01}" type="datetimeFigureOut">
-              <a:t>31/8/17</a:t>
+              <a:t>1/9/17</a:t>
             </a:fld>
             <a:endParaRPr lang="en-US"/>
           </a:p>
@@ -3286,7 +3286,12 @@
           <a:prstGeom prst="ellipse">
             <a:avLst/>
           </a:prstGeom>
-          <a:noFill/>
+          <a:solidFill>
+            <a:schemeClr val="accent4">
+              <a:lumMod val="60000"/>
+              <a:lumOff val="40000"/>
+            </a:schemeClr>
+          </a:solidFill>
           <a:ln>
             <a:solidFill>
               <a:schemeClr val="tx1"/>
@@ -3847,7 +3852,12 @@
           <a:prstGeom prst="ellipse">
             <a:avLst/>
           </a:prstGeom>
-          <a:noFill/>
+          <a:solidFill>
+            <a:schemeClr val="accent4">
+              <a:lumMod val="60000"/>
+              <a:lumOff val="40000"/>
+            </a:schemeClr>
+          </a:solidFill>
           <a:ln>
             <a:solidFill>
               <a:schemeClr val="tx1"/>
@@ -4023,7 +4033,12 @@
           <a:prstGeom prst="ellipse">
             <a:avLst/>
           </a:prstGeom>
-          <a:noFill/>
+          <a:solidFill>
+            <a:schemeClr val="accent4">
+              <a:lumMod val="60000"/>
+              <a:lumOff val="40000"/>
+            </a:schemeClr>
+          </a:solidFill>
           <a:ln>
             <a:solidFill>
               <a:schemeClr val="tx1"/>
@@ -4199,7 +4214,12 @@
           <a:prstGeom prst="ellipse">
             <a:avLst/>
           </a:prstGeom>
-          <a:noFill/>
+          <a:solidFill>
+            <a:schemeClr val="accent4">
+              <a:lumMod val="60000"/>
+              <a:lumOff val="40000"/>
+            </a:schemeClr>
+          </a:solidFill>
           <a:ln>
             <a:solidFill>
               <a:schemeClr val="tx1"/>
@@ -5418,7 +5438,12 @@
           <a:prstGeom prst="ellipse">
             <a:avLst/>
           </a:prstGeom>
-          <a:noFill/>
+          <a:solidFill>
+            <a:schemeClr val="accent4">
+              <a:lumMod val="60000"/>
+              <a:lumOff val="40000"/>
+            </a:schemeClr>
+          </a:solidFill>
           <a:ln>
             <a:solidFill>
               <a:schemeClr val="tx1"/>
@@ -5886,13 +5911,18 @@
         </p:nvSpPr>
         <p:spPr>
           <a:xfrm>
-            <a:off x="2716806" y="2129504"/>
+            <a:off x="2692422" y="2129504"/>
             <a:ext cx="1182624" cy="573024"/>
           </a:xfrm>
           <a:prstGeom prst="rect">
             <a:avLst/>
           </a:prstGeom>
-          <a:noFill/>
+          <a:solidFill>
+            <a:schemeClr val="accent2">
+              <a:lumMod val="60000"/>
+              <a:lumOff val="40000"/>
+            </a:schemeClr>
+          </a:solidFill>
           <a:ln>
             <a:solidFill>
               <a:schemeClr val="tx1"/>
@@ -5952,13 +5982,18 @@
         </p:nvSpPr>
         <p:spPr>
           <a:xfrm>
-            <a:off x="8155828" y="2141721"/>
+            <a:off x="9021460" y="2141721"/>
             <a:ext cx="1182624" cy="573024"/>
           </a:xfrm>
           <a:prstGeom prst="rect">
             <a:avLst/>
           </a:prstGeom>
-          <a:noFill/>
+          <a:solidFill>
+            <a:schemeClr val="accent2">
+              <a:lumMod val="60000"/>
+              <a:lumOff val="40000"/>
+            </a:schemeClr>
+          </a:solidFill>
           <a:ln>
             <a:solidFill>
               <a:schemeClr val="tx1"/>
@@ -6024,7 +6059,12 @@
           <a:prstGeom prst="rect">
             <a:avLst/>
           </a:prstGeom>
-          <a:noFill/>
+          <a:solidFill>
+            <a:schemeClr val="accent2">
+              <a:lumMod val="60000"/>
+              <a:lumOff val="40000"/>
+            </a:schemeClr>
+          </a:solidFill>
           <a:ln>
             <a:solidFill>
               <a:schemeClr val="tx1"/>
@@ -6084,13 +6124,18 @@
         </p:nvSpPr>
         <p:spPr>
           <a:xfrm>
-            <a:off x="2562391" y="3213110"/>
+            <a:off x="2538007" y="3213110"/>
             <a:ext cx="1499558" cy="573024"/>
           </a:xfrm>
           <a:prstGeom prst="ellipse">
             <a:avLst/>
           </a:prstGeom>
-          <a:noFill/>
+          <a:solidFill>
+            <a:schemeClr val="accent4">
+              <a:lumMod val="60000"/>
+              <a:lumOff val="40000"/>
+            </a:schemeClr>
+          </a:solidFill>
           <a:ln>
             <a:solidFill>
               <a:schemeClr val="tx1"/>
@@ -6131,66 +6176,13 @@
       </p:sp>
       <p:sp>
         <p:nvSpPr>
-          <p:cNvPr id="12" name="Folded Corner 11"/>
-          <p:cNvSpPr/>
-          <p:nvPr/>
-        </p:nvSpPr>
-        <p:spPr>
-          <a:xfrm>
-            <a:off x="2562391" y="4270158"/>
-            <a:ext cx="1499558" cy="573024"/>
-          </a:xfrm>
-          <a:prstGeom prst="foldedCorner">
-            <a:avLst/>
-          </a:prstGeom>
-          <a:noFill/>
-          <a:ln>
-            <a:solidFill>
-              <a:schemeClr val="tx1"/>
-            </a:solidFill>
-          </a:ln>
-        </p:spPr>
-        <p:style>
-          <a:lnRef idx="2">
-            <a:schemeClr val="accent1">
-              <a:shade val="50000"/>
-            </a:schemeClr>
-          </a:lnRef>
-          <a:fillRef idx="1">
-            <a:schemeClr val="accent1"/>
-          </a:fillRef>
-          <a:effectRef idx="0">
-            <a:schemeClr val="accent1"/>
-          </a:effectRef>
-          <a:fontRef idx="minor">
-            <a:schemeClr val="lt1"/>
-          </a:fontRef>
-        </p:style>
-        <p:txBody>
-          <a:bodyPr rtlCol="0" anchor="ctr"/>
-          <a:lstStyle/>
-          <a:p>
-            <a:pPr algn="ctr"/>
-            <a:r>
-              <a:rPr lang="en-US" sz="1000">
-                <a:solidFill>
-                  <a:schemeClr val="tx1"/>
-                </a:solidFill>
-              </a:rPr>
-              <a:t>Policy and Procedure Policy 2017 Draft EML</a:t>
-            </a:r>
-          </a:p>
-        </p:txBody>
-      </p:sp>
-      <p:sp>
-        <p:nvSpPr>
           <p:cNvPr id="14" name="TextBox 13"/>
           <p:cNvSpPr txBox="1"/>
           <p:nvPr/>
         </p:nvSpPr>
         <p:spPr>
           <a:xfrm>
-            <a:off x="3332787" y="3907932"/>
+            <a:off x="3308403" y="3907932"/>
             <a:ext cx="651140" cy="246221"/>
           </a:xfrm>
           <a:prstGeom prst="rect">
@@ -6219,13 +6211,18 @@
         </p:nvSpPr>
         <p:spPr>
           <a:xfrm>
-            <a:off x="745046" y="2125900"/>
+            <a:off x="610934" y="2125900"/>
             <a:ext cx="1182624" cy="573024"/>
           </a:xfrm>
           <a:prstGeom prst="rect">
             <a:avLst/>
           </a:prstGeom>
-          <a:noFill/>
+          <a:solidFill>
+            <a:schemeClr val="accent2">
+              <a:lumMod val="60000"/>
+              <a:lumOff val="40000"/>
+            </a:schemeClr>
+          </a:solidFill>
           <a:ln>
             <a:solidFill>
               <a:schemeClr val="tx1"/>
@@ -6359,7 +6356,12 @@
               </a:path>
             </a:pathLst>
           </a:custGeom>
-          <a:noFill/>
+          <a:solidFill>
+            <a:schemeClr val="accent1">
+              <a:lumMod val="20000"/>
+              <a:lumOff val="80000"/>
+            </a:schemeClr>
+          </a:solidFill>
           <a:ln>
             <a:solidFill>
               <a:schemeClr val="tx1"/>
@@ -6414,7 +6416,7 @@
         </p:nvSpPr>
         <p:spPr>
           <a:xfrm>
-            <a:off x="8163171" y="705343"/>
+            <a:off x="9028803" y="705343"/>
             <a:ext cx="1182624" cy="880802"/>
           </a:xfrm>
           <a:custGeom>
@@ -6488,7 +6490,12 @@
               </a:path>
             </a:pathLst>
           </a:custGeom>
-          <a:noFill/>
+          <a:solidFill>
+            <a:schemeClr val="accent1">
+              <a:lumMod val="20000"/>
+              <a:lumOff val="80000"/>
+            </a:schemeClr>
+          </a:solidFill>
           <a:ln>
             <a:solidFill>
               <a:schemeClr val="tx1"/>
@@ -6551,13 +6558,18 @@
         </p:nvSpPr>
         <p:spPr>
           <a:xfrm>
-            <a:off x="586580" y="3213616"/>
+            <a:off x="452468" y="3213616"/>
             <a:ext cx="1499558" cy="573024"/>
           </a:xfrm>
           <a:prstGeom prst="ellipse">
             <a:avLst/>
           </a:prstGeom>
-          <a:noFill/>
+          <a:solidFill>
+            <a:schemeClr val="accent4">
+              <a:lumMod val="60000"/>
+              <a:lumOff val="40000"/>
+            </a:schemeClr>
+          </a:solidFill>
           <a:ln>
             <a:solidFill>
               <a:schemeClr val="tx1"/>
@@ -6604,13 +6616,18 @@
         </p:nvSpPr>
         <p:spPr>
           <a:xfrm>
-            <a:off x="586580" y="4257948"/>
+            <a:off x="452468" y="4257948"/>
             <a:ext cx="1499558" cy="573024"/>
           </a:xfrm>
           <a:prstGeom prst="foldedCorner">
             <a:avLst/>
           </a:prstGeom>
-          <a:noFill/>
+          <a:solidFill>
+            <a:schemeClr val="accent6">
+              <a:lumMod val="60000"/>
+              <a:lumOff val="40000"/>
+            </a:schemeClr>
+          </a:solidFill>
           <a:ln>
             <a:solidFill>
               <a:schemeClr val="tx1"/>
@@ -6657,7 +6674,7 @@
         </p:nvSpPr>
         <p:spPr>
           <a:xfrm>
-            <a:off x="1336358" y="3917117"/>
+            <a:off x="1202246" y="3917117"/>
             <a:ext cx="651140" cy="246221"/>
           </a:xfrm>
           <a:prstGeom prst="rect">
@@ -6686,13 +6703,18 @@
         </p:nvSpPr>
         <p:spPr>
           <a:xfrm>
-            <a:off x="7997361" y="3228621"/>
+            <a:off x="8862993" y="3228621"/>
             <a:ext cx="1499558" cy="573024"/>
           </a:xfrm>
           <a:prstGeom prst="ellipse">
             <a:avLst/>
           </a:prstGeom>
-          <a:noFill/>
+          <a:solidFill>
+            <a:schemeClr val="accent4">
+              <a:lumMod val="60000"/>
+              <a:lumOff val="40000"/>
+            </a:schemeClr>
+          </a:solidFill>
           <a:ln>
             <a:solidFill>
               <a:schemeClr val="tx1"/>
@@ -6739,13 +6761,18 @@
         </p:nvSpPr>
         <p:spPr>
           <a:xfrm>
-            <a:off x="7997361" y="4266925"/>
+            <a:off x="8862993" y="4266925"/>
             <a:ext cx="1499558" cy="573024"/>
           </a:xfrm>
           <a:prstGeom prst="foldedCorner">
             <a:avLst/>
           </a:prstGeom>
-          <a:noFill/>
+          <a:solidFill>
+            <a:schemeClr val="accent6">
+              <a:lumMod val="60000"/>
+              <a:lumOff val="40000"/>
+            </a:schemeClr>
+          </a:solidFill>
           <a:ln>
             <a:solidFill>
               <a:schemeClr val="tx1"/>
@@ -6795,7 +6822,7 @@
         </p:nvCxnSpPr>
         <p:spPr>
           <a:xfrm>
-            <a:off x="8747140" y="3801645"/>
+            <a:off x="9612772" y="3801645"/>
             <a:ext cx="0" cy="465280"/>
           </a:xfrm>
           <a:prstGeom prst="straightConnector1">
@@ -6833,7 +6860,7 @@
         </p:nvSpPr>
         <p:spPr>
           <a:xfrm>
-            <a:off x="8766067" y="3926094"/>
+            <a:off x="9631699" y="3926094"/>
             <a:ext cx="651140" cy="246221"/>
           </a:xfrm>
           <a:prstGeom prst="rect">
@@ -6868,7 +6895,12 @@
           <a:prstGeom prst="ellipse">
             <a:avLst/>
           </a:prstGeom>
-          <a:noFill/>
+          <a:solidFill>
+            <a:schemeClr val="accent4">
+              <a:lumMod val="60000"/>
+              <a:lumOff val="40000"/>
+            </a:schemeClr>
+          </a:solidFill>
           <a:ln>
             <a:solidFill>
               <a:schemeClr val="tx1"/>
@@ -6909,101 +6941,24 @@
       </p:sp>
       <p:sp>
         <p:nvSpPr>
-          <p:cNvPr id="28" name="Folded Corner 27"/>
-          <p:cNvSpPr/>
-          <p:nvPr/>
-        </p:nvSpPr>
-        <p:spPr>
-          <a:xfrm>
-            <a:off x="4593747" y="4270158"/>
-            <a:ext cx="1499558" cy="573024"/>
-          </a:xfrm>
-          <a:prstGeom prst="foldedCorner">
-            <a:avLst/>
-          </a:prstGeom>
-          <a:noFill/>
-          <a:ln>
-            <a:solidFill>
-              <a:schemeClr val="tx1"/>
-            </a:solidFill>
-          </a:ln>
-        </p:spPr>
-        <p:style>
-          <a:lnRef idx="2">
-            <a:schemeClr val="accent1">
-              <a:shade val="50000"/>
-            </a:schemeClr>
-          </a:lnRef>
-          <a:fillRef idx="1">
-            <a:schemeClr val="accent1"/>
-          </a:fillRef>
-          <a:effectRef idx="0">
-            <a:schemeClr val="accent1"/>
-          </a:effectRef>
-          <a:fontRef idx="minor">
-            <a:schemeClr val="lt1"/>
-          </a:fontRef>
-        </p:style>
-        <p:txBody>
-          <a:bodyPr rtlCol="0" anchor="ctr"/>
-          <a:lstStyle/>
-          <a:p>
-            <a:pPr algn="ctr"/>
-            <a:r>
-              <a:rPr lang="en-US" sz="1000">
-                <a:solidFill>
-                  <a:schemeClr val="tx1"/>
-                </a:solidFill>
-              </a:rPr>
-              <a:t>Policy and Procedure Policy 2017 Final DOCX</a:t>
-            </a:r>
-          </a:p>
-        </p:txBody>
-      </p:sp>
-      <p:sp>
-        <p:nvSpPr>
-          <p:cNvPr id="30" name="TextBox 29"/>
-          <p:cNvSpPr txBox="1"/>
-          <p:nvPr/>
-        </p:nvSpPr>
-        <p:spPr>
-          <a:xfrm>
-            <a:off x="5362454" y="3917117"/>
-            <a:ext cx="651140" cy="246221"/>
-          </a:xfrm>
-          <a:prstGeom prst="rect">
-            <a:avLst/>
-          </a:prstGeom>
-          <a:noFill/>
-        </p:spPr>
-        <p:txBody>
-          <a:bodyPr wrap="none" rtlCol="0">
-            <a:spAutoFit/>
-          </a:bodyPr>
-          <a:lstStyle/>
-          <a:p>
-            <a:r>
-              <a:rPr lang="en-US" sz="1000"/>
-              <a:t>recordOf</a:t>
-            </a:r>
-          </a:p>
-        </p:txBody>
-      </p:sp>
-      <p:sp>
-        <p:nvSpPr>
           <p:cNvPr id="31" name="Snip Same Side Corner Rectangle 30"/>
           <p:cNvSpPr/>
           <p:nvPr/>
         </p:nvSpPr>
         <p:spPr>
           <a:xfrm>
-            <a:off x="2760538" y="5339735"/>
+            <a:off x="2736154" y="5339735"/>
             <a:ext cx="1182624" cy="573024"/>
           </a:xfrm>
           <a:prstGeom prst="snip2SameRect">
             <a:avLst/>
           </a:prstGeom>
-          <a:noFill/>
+          <a:solidFill>
+            <a:schemeClr val="accent1">
+              <a:lumMod val="60000"/>
+              <a:lumOff val="40000"/>
+            </a:schemeClr>
+          </a:solidFill>
           <a:ln>
             <a:solidFill>
               <a:schemeClr val="tx1"/>
@@ -7053,8 +7008,8 @@
         </p:nvCxnSpPr>
         <p:spPr>
           <a:xfrm flipH="1">
-            <a:off x="4061949" y="3499622"/>
-            <a:ext cx="531798" cy="0"/>
+            <a:off x="4037565" y="3499622"/>
+            <a:ext cx="556182" cy="0"/>
           </a:xfrm>
           <a:prstGeom prst="straightConnector1">
             <a:avLst/>
@@ -7152,8 +7107,8 @@
         </p:nvCxnSpPr>
         <p:spPr>
           <a:xfrm rot="16200000" flipV="1">
-            <a:off x="6021900" y="1117472"/>
-            <a:ext cx="15511" cy="4374622"/>
+            <a:off x="6442524" y="672464"/>
+            <a:ext cx="15511" cy="5264638"/>
           </a:xfrm>
           <a:prstGeom prst="curvedConnector3">
             <a:avLst>
@@ -7220,7 +7175,7 @@
         </p:nvSpPr>
         <p:spPr>
           <a:xfrm>
-            <a:off x="7569440" y="1699273"/>
+            <a:off x="8435072" y="1699273"/>
             <a:ext cx="1199367" cy="246221"/>
           </a:xfrm>
           <a:prstGeom prst="rect">
@@ -7243,66 +7198,13 @@
       </p:sp>
       <p:sp>
         <p:nvSpPr>
-          <p:cNvPr id="53" name="Snip Diagonal Corner Rectangle 52"/>
-          <p:cNvSpPr/>
-          <p:nvPr/>
-        </p:nvSpPr>
-        <p:spPr>
-          <a:xfrm>
-            <a:off x="10707778" y="545179"/>
-            <a:ext cx="1182624" cy="573024"/>
-          </a:xfrm>
-          <a:prstGeom prst="snip2DiagRect">
-            <a:avLst/>
-          </a:prstGeom>
-          <a:noFill/>
-          <a:ln>
-            <a:solidFill>
-              <a:schemeClr val="tx1"/>
-            </a:solidFill>
-          </a:ln>
-        </p:spPr>
-        <p:style>
-          <a:lnRef idx="2">
-            <a:schemeClr val="accent1">
-              <a:shade val="50000"/>
-            </a:schemeClr>
-          </a:lnRef>
-          <a:fillRef idx="1">
-            <a:schemeClr val="accent1"/>
-          </a:fillRef>
-          <a:effectRef idx="0">
-            <a:schemeClr val="accent1"/>
-          </a:effectRef>
-          <a:fontRef idx="minor">
-            <a:schemeClr val="lt1"/>
-          </a:fontRef>
-        </p:style>
-        <p:txBody>
-          <a:bodyPr rtlCol="0" anchor="ctr"/>
-          <a:lstStyle/>
-          <a:p>
-            <a:pPr algn="ctr"/>
-            <a:r>
-              <a:rPr lang="en-US" sz="1000">
-                <a:solidFill>
-                  <a:schemeClr val="tx1"/>
-                </a:solidFill>
-              </a:rPr>
-              <a:t>Function</a:t>
-            </a:r>
-          </a:p>
-        </p:txBody>
-      </p:sp>
-      <p:sp>
-        <p:nvSpPr>
           <p:cNvPr id="54" name="Freeform 53"/>
           <p:cNvSpPr/>
           <p:nvPr/>
         </p:nvSpPr>
         <p:spPr>
           <a:xfrm>
-            <a:off x="10707778" y="1234751"/>
+            <a:off x="10768738" y="515423"/>
             <a:ext cx="1182624" cy="880802"/>
           </a:xfrm>
           <a:custGeom>
@@ -7376,7 +7278,12 @@
               </a:path>
             </a:pathLst>
           </a:custGeom>
-          <a:noFill/>
+          <a:solidFill>
+            <a:schemeClr val="accent1">
+              <a:lumMod val="20000"/>
+              <a:lumOff val="80000"/>
+            </a:schemeClr>
+          </a:solidFill>
           <a:ln>
             <a:solidFill>
               <a:schemeClr val="tx1"/>
@@ -7431,13 +7338,18 @@
         </p:nvSpPr>
         <p:spPr>
           <a:xfrm>
-            <a:off x="10707778" y="2308223"/>
+            <a:off x="10768738" y="1588895"/>
             <a:ext cx="1182624" cy="573024"/>
           </a:xfrm>
           <a:prstGeom prst="rect">
             <a:avLst/>
           </a:prstGeom>
-          <a:noFill/>
+          <a:solidFill>
+            <a:schemeClr val="accent2">
+              <a:lumMod val="60000"/>
+              <a:lumOff val="40000"/>
+            </a:schemeClr>
+          </a:solidFill>
           <a:ln>
             <a:solidFill>
               <a:schemeClr val="tx1"/>
@@ -7484,13 +7396,18 @@
         </p:nvSpPr>
         <p:spPr>
           <a:xfrm>
-            <a:off x="10549311" y="3073917"/>
+            <a:off x="10610271" y="2354589"/>
             <a:ext cx="1499558" cy="573024"/>
           </a:xfrm>
           <a:prstGeom prst="ellipse">
             <a:avLst/>
           </a:prstGeom>
-          <a:noFill/>
+          <a:solidFill>
+            <a:schemeClr val="accent4">
+              <a:lumMod val="60000"/>
+              <a:lumOff val="40000"/>
+            </a:schemeClr>
+          </a:solidFill>
           <a:ln>
             <a:solidFill>
               <a:schemeClr val="tx1"/>
@@ -7537,13 +7454,18 @@
         </p:nvSpPr>
         <p:spPr>
           <a:xfrm>
-            <a:off x="10707778" y="3833930"/>
+            <a:off x="10807798" y="3897467"/>
             <a:ext cx="1182624" cy="573024"/>
           </a:xfrm>
           <a:prstGeom prst="snip2SameRect">
             <a:avLst/>
           </a:prstGeom>
-          <a:noFill/>
+          <a:solidFill>
+            <a:schemeClr val="accent1">
+              <a:lumMod val="60000"/>
+              <a:lumOff val="40000"/>
+            </a:schemeClr>
+          </a:solidFill>
           <a:ln>
             <a:solidFill>
               <a:schemeClr val="tx1"/>
@@ -7593,7 +7515,7 @@
         </p:nvCxnSpPr>
         <p:spPr>
           <a:xfrm flipV="1">
-            <a:off x="8747140" y="2714745"/>
+            <a:off x="9612772" y="2714745"/>
             <a:ext cx="0" cy="513876"/>
           </a:xfrm>
           <a:prstGeom prst="straightConnector1">
@@ -7672,7 +7594,7 @@
         </p:nvSpPr>
         <p:spPr>
           <a:xfrm>
-            <a:off x="484843" y="2758985"/>
+            <a:off x="350731" y="2758985"/>
             <a:ext cx="851515" cy="246221"/>
           </a:xfrm>
           <a:prstGeom prst="rect">
@@ -7701,7 +7623,7 @@
         </p:nvSpPr>
         <p:spPr>
           <a:xfrm>
-            <a:off x="2433851" y="2758985"/>
+            <a:off x="2409467" y="2758985"/>
             <a:ext cx="851515" cy="246221"/>
           </a:xfrm>
           <a:prstGeom prst="rect">
@@ -7730,7 +7652,7 @@
         </p:nvSpPr>
         <p:spPr>
           <a:xfrm>
-            <a:off x="8747140" y="2767962"/>
+            <a:off x="9612772" y="2767962"/>
             <a:ext cx="851515" cy="246221"/>
           </a:xfrm>
           <a:prstGeom prst="rect">
@@ -7789,7 +7711,7 @@
         <p:spPr>
           <a:xfrm>
             <a:off x="707571" y="272143"/>
-            <a:ext cx="3780458" cy="369332"/>
+            <a:ext cx="2594300" cy="369332"/>
           </a:xfrm>
           <a:prstGeom prst="rect">
             <a:avLst/>
@@ -7804,7 +7726,7 @@
           <a:p>
             <a:r>
               <a:rPr lang="en-US"/>
-              <a:t>Policy Creation example, v2, federated</a:t>
+              <a:t>Policy Creation example 2</a:t>
             </a:r>
           </a:p>
         </p:txBody>
@@ -7861,8 +7783,8 @@
         </p:nvCxnSpPr>
         <p:spPr>
           <a:xfrm flipV="1">
-            <a:off x="1336358" y="1577168"/>
-            <a:ext cx="1380448" cy="548732"/>
+            <a:off x="1202246" y="1577168"/>
+            <a:ext cx="1514560" cy="548732"/>
           </a:xfrm>
           <a:prstGeom prst="straightConnector1">
             <a:avLst/>
@@ -7901,7 +7823,7 @@
         </p:nvCxnSpPr>
         <p:spPr>
           <a:xfrm flipV="1">
-            <a:off x="3308118" y="1573564"/>
+            <a:off x="3283734" y="1573564"/>
             <a:ext cx="2026" cy="555940"/>
           </a:xfrm>
           <a:prstGeom prst="straightConnector1">
@@ -8013,7 +7935,7 @@
         </p:nvCxnSpPr>
         <p:spPr>
           <a:xfrm flipV="1">
-            <a:off x="8747140" y="1582541"/>
+            <a:off x="9612772" y="1582541"/>
             <a:ext cx="0" cy="559180"/>
           </a:xfrm>
           <a:prstGeom prst="straightConnector1">
@@ -8055,7 +7977,7 @@
         <p:spPr>
           <a:xfrm>
             <a:off x="6093305" y="3499622"/>
-            <a:ext cx="1904056" cy="15511"/>
+            <a:ext cx="2769688" cy="15511"/>
           </a:xfrm>
           <a:prstGeom prst="straightConnector1">
             <a:avLst/>
@@ -8084,90 +8006,6 @@
           </a:fontRef>
         </p:style>
       </p:cxnSp>
-      <p:sp>
-        <p:nvSpPr>
-          <p:cNvPr id="52" name="TextBox 51"/>
-          <p:cNvSpPr txBox="1"/>
-          <p:nvPr/>
-        </p:nvSpPr>
-        <p:spPr>
-          <a:xfrm>
-            <a:off x="2806841" y="5037131"/>
-            <a:ext cx="1051891" cy="246221"/>
-          </a:xfrm>
-          <a:prstGeom prst="rect">
-            <a:avLst/>
-          </a:prstGeom>
-          <a:solidFill>
-            <a:schemeClr val="bg1"/>
-          </a:solidFill>
-        </p:spPr>
-        <p:txBody>
-          <a:bodyPr wrap="none" rtlCol="0">
-            <a:spAutoFit/>
-          </a:bodyPr>
-          <a:lstStyle/>
-          <a:p>
-            <a:r>
-              <a:rPr lang="en-US" sz="1000"/>
-              <a:t>hasDisposalClass</a:t>
-            </a:r>
-          </a:p>
-        </p:txBody>
-      </p:sp>
-      <p:sp>
-        <p:nvSpPr>
-          <p:cNvPr id="159" name="Snip Same Side Corner Rectangle 158"/>
-          <p:cNvSpPr/>
-          <p:nvPr/>
-        </p:nvSpPr>
-        <p:spPr>
-          <a:xfrm>
-            <a:off x="6454021" y="5339735"/>
-            <a:ext cx="1182624" cy="573024"/>
-          </a:xfrm>
-          <a:prstGeom prst="snip2SameRect">
-            <a:avLst/>
-          </a:prstGeom>
-          <a:noFill/>
-          <a:ln>
-            <a:solidFill>
-              <a:schemeClr val="tx1"/>
-            </a:solidFill>
-          </a:ln>
-        </p:spPr>
-        <p:style>
-          <a:lnRef idx="2">
-            <a:schemeClr val="accent1">
-              <a:shade val="50000"/>
-            </a:schemeClr>
-          </a:lnRef>
-          <a:fillRef idx="1">
-            <a:schemeClr val="accent1"/>
-          </a:fillRef>
-          <a:effectRef idx="0">
-            <a:schemeClr val="accent1"/>
-          </a:effectRef>
-          <a:fontRef idx="minor">
-            <a:schemeClr val="lt1"/>
-          </a:fontRef>
-        </p:style>
-        <p:txBody>
-          <a:bodyPr rtlCol="0" anchor="ctr"/>
-          <a:lstStyle/>
-          <a:p>
-            <a:pPr algn="ctr"/>
-            <a:r>
-              <a:rPr lang="en-US" sz="1000">
-                <a:solidFill>
-                  <a:schemeClr val="tx1"/>
-                </a:solidFill>
-              </a:rPr>
-              <a:t>Retain onsite 7 years</a:t>
-            </a:r>
-          </a:p>
-        </p:txBody>
-      </p:sp>
       <p:cxnSp>
         <p:nvCxnSpPr>
           <p:cNvPr id="163" name="Straight Arrow Connector 162"/>
@@ -8179,8 +8017,8 @@
         </p:nvCxnSpPr>
         <p:spPr>
           <a:xfrm flipH="1">
-            <a:off x="7045333" y="3717728"/>
-            <a:ext cx="1171633" cy="1622007"/>
+            <a:off x="8279184" y="3717728"/>
+            <a:ext cx="803414" cy="2181828"/>
           </a:xfrm>
           <a:prstGeom prst="straightConnector1">
             <a:avLst/>
@@ -8217,7 +8055,7 @@
         </p:nvSpPr>
         <p:spPr>
           <a:xfrm>
-            <a:off x="6498771" y="5037131"/>
+            <a:off x="6553470" y="5822314"/>
             <a:ext cx="1051891" cy="246221"/>
           </a:xfrm>
           <a:prstGeom prst="rect">
@@ -8248,13 +8086,18 @@
         </p:nvSpPr>
         <p:spPr>
           <a:xfrm>
-            <a:off x="10707778" y="4593943"/>
+            <a:off x="10802010" y="4668906"/>
             <a:ext cx="1182624" cy="573701"/>
           </a:xfrm>
           <a:prstGeom prst="snip2DiagRect">
             <a:avLst/>
           </a:prstGeom>
-          <a:noFill/>
+          <a:solidFill>
+            <a:schemeClr val="accent2">
+              <a:lumMod val="20000"/>
+              <a:lumOff val="80000"/>
+            </a:schemeClr>
+          </a:solidFill>
           <a:ln>
             <a:solidFill>
               <a:schemeClr val="tx1"/>
@@ -8301,13 +8144,18 @@
         </p:nvSpPr>
         <p:spPr>
           <a:xfrm>
-            <a:off x="2760538" y="6122461"/>
+            <a:off x="2736154" y="6122461"/>
             <a:ext cx="1182624" cy="573701"/>
           </a:xfrm>
           <a:prstGeom prst="snip2DiagRect">
             <a:avLst/>
           </a:prstGeom>
-          <a:noFill/>
+          <a:solidFill>
+            <a:schemeClr val="accent2">
+              <a:lumMod val="20000"/>
+              <a:lumOff val="80000"/>
+            </a:schemeClr>
+          </a:solidFill>
           <a:ln>
             <a:solidFill>
               <a:schemeClr val="tx1"/>
@@ -8354,13 +8202,18 @@
         </p:nvSpPr>
         <p:spPr>
           <a:xfrm>
-            <a:off x="4750225" y="6122461"/>
+            <a:off x="610934" y="6122461"/>
             <a:ext cx="1182624" cy="573701"/>
           </a:xfrm>
           <a:prstGeom prst="snip2DiagRect">
             <a:avLst/>
           </a:prstGeom>
-          <a:noFill/>
+          <a:solidFill>
+            <a:schemeClr val="accent2">
+              <a:lumMod val="20000"/>
+              <a:lumOff val="80000"/>
+            </a:schemeClr>
+          </a:solidFill>
           <a:ln>
             <a:solidFill>
               <a:schemeClr val="tx1"/>
@@ -8407,13 +8260,18 @@
         </p:nvSpPr>
         <p:spPr>
           <a:xfrm>
-            <a:off x="8155828" y="6122461"/>
+            <a:off x="9021460" y="6122461"/>
             <a:ext cx="1182624" cy="573701"/>
           </a:xfrm>
           <a:prstGeom prst="snip2DiagRect">
             <a:avLst/>
           </a:prstGeom>
-          <a:noFill/>
+          <a:solidFill>
+            <a:schemeClr val="accent2">
+              <a:lumMod val="20000"/>
+              <a:lumOff val="80000"/>
+            </a:schemeClr>
+          </a:solidFill>
           <a:ln>
             <a:solidFill>
               <a:schemeClr val="tx1"/>
@@ -8463,7 +8321,7 @@
         </p:nvCxnSpPr>
         <p:spPr>
           <a:xfrm>
-            <a:off x="8747140" y="4839949"/>
+            <a:off x="9612772" y="4839949"/>
             <a:ext cx="0" cy="1282512"/>
           </a:xfrm>
           <a:prstGeom prst="straightConnector1">
@@ -8503,9 +8361,9 @@
           <p:nvPr/>
         </p:nvCxnSpPr>
         <p:spPr>
-          <a:xfrm>
-            <a:off x="3312170" y="4843182"/>
-            <a:ext cx="2029367" cy="1279279"/>
+          <a:xfrm flipH="1">
+            <a:off x="1202246" y="4843182"/>
+            <a:ext cx="2085540" cy="1279279"/>
           </a:xfrm>
           <a:prstGeom prst="straightConnector1">
             <a:avLst/>
@@ -8545,48 +8403,8 @@
         </p:nvCxnSpPr>
         <p:spPr>
           <a:xfrm rot="16200000" flipH="1">
-            <a:off x="1259278" y="4908052"/>
-            <a:ext cx="1578340" cy="1424179"/>
-          </a:xfrm>
-          <a:prstGeom prst="curvedConnector2">
-            <a:avLst/>
-          </a:prstGeom>
-          <a:ln>
-            <a:solidFill>
-              <a:schemeClr val="tx1"/>
-            </a:solidFill>
-            <a:headEnd type="none" w="med" len="med"/>
-            <a:tailEnd type="arrow" w="med" len="med"/>
-          </a:ln>
-        </p:spPr>
-        <p:style>
-          <a:lnRef idx="1">
-            <a:schemeClr val="accent1"/>
-          </a:lnRef>
-          <a:fillRef idx="0">
-            <a:schemeClr val="accent1"/>
-          </a:fillRef>
-          <a:effectRef idx="0">
-            <a:schemeClr val="accent1"/>
-          </a:effectRef>
-          <a:fontRef idx="minor">
-            <a:schemeClr val="tx1"/>
-          </a:fontRef>
-        </p:style>
-      </p:cxnSp>
-      <p:cxnSp>
-        <p:nvCxnSpPr>
-          <p:cNvPr id="182" name="Curved Connector 181"/>
-          <p:cNvCxnSpPr>
-            <a:stCxn id="28" idx="2"/>
-            <a:endCxn id="168" idx="0"/>
-          </p:cNvCxnSpPr>
-          <p:nvPr/>
-        </p:nvCxnSpPr>
-        <p:spPr>
-          <a:xfrm rot="5400000">
-            <a:off x="3860279" y="4926065"/>
-            <a:ext cx="1566130" cy="1400364"/>
+            <a:off x="1180030" y="4853188"/>
+            <a:ext cx="1578340" cy="1533907"/>
           </a:xfrm>
           <a:prstGeom prst="curvedConnector2">
             <a:avLst/>
@@ -8625,7 +8443,7 @@
         </p:nvCxnSpPr>
         <p:spPr>
           <a:xfrm flipH="1" flipV="1">
-            <a:off x="3308118" y="2702528"/>
+            <a:off x="3283734" y="2702528"/>
             <a:ext cx="4052" cy="510582"/>
           </a:xfrm>
           <a:prstGeom prst="straightConnector1">
@@ -8666,7 +8484,7 @@
         </p:nvCxnSpPr>
         <p:spPr>
           <a:xfrm>
-            <a:off x="3312170" y="3786134"/>
+            <a:off x="3287786" y="3786134"/>
             <a:ext cx="0" cy="484024"/>
           </a:xfrm>
           <a:prstGeom prst="straightConnector1">
@@ -8704,7 +8522,7 @@
         </p:nvCxnSpPr>
         <p:spPr>
           <a:xfrm flipV="1">
-            <a:off x="7040043" y="365760"/>
+            <a:off x="8490891" y="365760"/>
             <a:ext cx="8395" cy="6302024"/>
           </a:xfrm>
           <a:prstGeom prst="straightConnector1">
@@ -8745,7 +8563,7 @@
         </p:nvCxnSpPr>
         <p:spPr>
           <a:xfrm flipH="1" flipV="1">
-            <a:off x="1336358" y="2698924"/>
+            <a:off x="1202246" y="2698924"/>
             <a:ext cx="1" cy="514692"/>
           </a:xfrm>
           <a:prstGeom prst="straightConnector1">
@@ -8786,7 +8604,7 @@
         </p:nvCxnSpPr>
         <p:spPr>
           <a:xfrm>
-            <a:off x="1336359" y="3786640"/>
+            <a:off x="1202247" y="3786640"/>
             <a:ext cx="0" cy="471308"/>
           </a:xfrm>
           <a:prstGeom prst="straightConnector1">
@@ -8827,12 +8645,12 @@
         </p:nvCxnSpPr>
         <p:spPr>
           <a:xfrm rot="10800000" flipH="1" flipV="1">
-            <a:off x="586580" y="3500127"/>
-            <a:ext cx="2173958" cy="2126119"/>
+            <a:off x="452468" y="3500127"/>
+            <a:ext cx="2283686" cy="2126119"/>
           </a:xfrm>
           <a:prstGeom prst="curvedConnector3">
             <a:avLst>
-              <a:gd name="adj1" fmla="val -10515"/>
+              <a:gd name="adj1" fmla="val -10010"/>
             </a:avLst>
           </a:prstGeom>
           <a:ln>
@@ -8862,19 +8680,18 @@
         <p:nvCxnSpPr>
           <p:cNvPr id="209" name="Curved Connector 208"/>
           <p:cNvCxnSpPr>
-            <a:stCxn id="27" idx="6"/>
-            <a:endCxn id="31" idx="0"/>
+            <a:stCxn id="27" idx="3"/>
           </p:cNvCxnSpPr>
           <p:nvPr/>
         </p:nvCxnSpPr>
         <p:spPr>
-          <a:xfrm flipH="1">
-            <a:off x="3943162" y="3499622"/>
-            <a:ext cx="2150143" cy="2126625"/>
+          <a:xfrm rot="5400000">
+            <a:off x="3511122" y="4090947"/>
+            <a:ext cx="1690960" cy="913500"/>
           </a:xfrm>
           <a:prstGeom prst="curvedConnector3">
             <a:avLst>
-              <a:gd name="adj1" fmla="val -10632"/>
+              <a:gd name="adj1" fmla="val 50000"/>
             </a:avLst>
           </a:prstGeom>
           <a:ln>
@@ -8911,8 +8728,8 @@
         </p:nvCxnSpPr>
         <p:spPr>
           <a:xfrm rot="16200000" flipH="1">
-            <a:off x="4186167" y="3358393"/>
-            <a:ext cx="1924030" cy="2611677"/>
+            <a:off x="4510991" y="3009186"/>
+            <a:ext cx="2483851" cy="3869912"/>
           </a:xfrm>
           <a:prstGeom prst="curvedConnector2">
             <a:avLst/>
@@ -8948,7 +8765,7 @@
         </p:nvSpPr>
         <p:spPr>
           <a:xfrm>
-            <a:off x="1263554" y="5939847"/>
+            <a:off x="1905585" y="5164164"/>
             <a:ext cx="620683" cy="246221"/>
           </a:xfrm>
           <a:prstGeom prst="rect">
@@ -8971,71 +8788,13 @@
       </p:sp>
       <p:sp>
         <p:nvSpPr>
-          <p:cNvPr id="216" name="TextBox 215"/>
-          <p:cNvSpPr txBox="1"/>
-          <p:nvPr/>
-        </p:nvSpPr>
-        <p:spPr>
-          <a:xfrm>
-            <a:off x="4065385" y="5939848"/>
-            <a:ext cx="620683" cy="246221"/>
-          </a:xfrm>
-          <a:prstGeom prst="rect">
-            <a:avLst/>
-          </a:prstGeom>
-          <a:noFill/>
-        </p:spPr>
-        <p:txBody>
-          <a:bodyPr wrap="none" rtlCol="0">
-            <a:spAutoFit/>
-          </a:bodyPr>
-          <a:lstStyle/>
-          <a:p>
-            <a:r>
-              <a:rPr lang="en-US" sz="1000"/>
-              <a:t>storedIn</a:t>
-            </a:r>
-          </a:p>
-        </p:txBody>
-      </p:sp>
-      <p:sp>
-        <p:nvSpPr>
           <p:cNvPr id="217" name="TextBox 216"/>
           <p:cNvSpPr txBox="1"/>
           <p:nvPr/>
         </p:nvSpPr>
         <p:spPr>
           <a:xfrm>
-            <a:off x="8163330" y="5801622"/>
-            <a:ext cx="620683" cy="246221"/>
-          </a:xfrm>
-          <a:prstGeom prst="rect">
-            <a:avLst/>
-          </a:prstGeom>
-          <a:noFill/>
-        </p:spPr>
-        <p:txBody>
-          <a:bodyPr wrap="none" rtlCol="0">
-            <a:spAutoFit/>
-          </a:bodyPr>
-          <a:lstStyle/>
-          <a:p>
-            <a:r>
-              <a:rPr lang="en-US" sz="1000"/>
-              <a:t>storedIn</a:t>
-            </a:r>
-          </a:p>
-        </p:txBody>
-      </p:sp>
-      <p:sp>
-        <p:nvSpPr>
-          <p:cNvPr id="218" name="TextBox 217"/>
-          <p:cNvSpPr txBox="1"/>
-          <p:nvPr/>
-        </p:nvSpPr>
-        <p:spPr>
-          <a:xfrm>
-            <a:off x="5070532" y="5797518"/>
+            <a:off x="9028962" y="5801622"/>
             <a:ext cx="620683" cy="246221"/>
           </a:xfrm>
           <a:prstGeom prst="rect">
@@ -9067,8 +8826,8 @@
         </p:nvCxnSpPr>
         <p:spPr>
           <a:xfrm flipH="1">
-            <a:off x="2086138" y="3499622"/>
-            <a:ext cx="476253" cy="506"/>
+            <a:off x="1952026" y="3499622"/>
+            <a:ext cx="585981" cy="506"/>
           </a:xfrm>
           <a:prstGeom prst="straightConnector1">
             <a:avLst/>
@@ -9105,7 +8864,7 @@
         </p:nvSpPr>
         <p:spPr>
           <a:xfrm>
-            <a:off x="2039697" y="3555424"/>
+            <a:off x="1905585" y="3555424"/>
             <a:ext cx="688009" cy="246221"/>
           </a:xfrm>
           <a:prstGeom prst="rect">
@@ -9122,6 +8881,873 @@
             <a:r>
               <a:rPr lang="en-US" sz="1000"/>
               <a:t>relatedTo</a:t>
+            </a:r>
+          </a:p>
+        </p:txBody>
+      </p:sp>
+      <p:sp>
+        <p:nvSpPr>
+          <p:cNvPr id="74" name="Folded Corner 73"/>
+          <p:cNvSpPr/>
+          <p:nvPr/>
+        </p:nvSpPr>
+        <p:spPr>
+          <a:xfrm>
+            <a:off x="6241554" y="4461635"/>
+            <a:ext cx="1499558" cy="573024"/>
+          </a:xfrm>
+          <a:prstGeom prst="foldedCorner">
+            <a:avLst/>
+          </a:prstGeom>
+          <a:solidFill>
+            <a:schemeClr val="accent6">
+              <a:lumMod val="60000"/>
+              <a:lumOff val="40000"/>
+            </a:schemeClr>
+          </a:solidFill>
+          <a:ln>
+            <a:solidFill>
+              <a:schemeClr val="tx1"/>
+            </a:solidFill>
+          </a:ln>
+        </p:spPr>
+        <p:style>
+          <a:lnRef idx="2">
+            <a:schemeClr val="accent1">
+              <a:shade val="50000"/>
+            </a:schemeClr>
+          </a:lnRef>
+          <a:fillRef idx="1">
+            <a:schemeClr val="accent1"/>
+          </a:fillRef>
+          <a:effectRef idx="0">
+            <a:schemeClr val="accent1"/>
+          </a:effectRef>
+          <a:fontRef idx="minor">
+            <a:schemeClr val="lt1"/>
+          </a:fontRef>
+        </p:style>
+        <p:txBody>
+          <a:bodyPr rtlCol="0" anchor="ctr"/>
+          <a:lstStyle/>
+          <a:p>
+            <a:pPr algn="ctr"/>
+            <a:r>
+              <a:rPr lang="en-US" sz="1000">
+                <a:solidFill>
+                  <a:schemeClr val="tx1"/>
+                </a:solidFill>
+              </a:rPr>
+              <a:t>Policy and Procedure Policy 2017 Final PDF</a:t>
+            </a:r>
+          </a:p>
+        </p:txBody>
+      </p:sp>
+      <p:sp>
+        <p:nvSpPr>
+          <p:cNvPr id="159" name="Snip Same Side Corner Rectangle 158"/>
+          <p:cNvSpPr/>
+          <p:nvPr/>
+        </p:nvSpPr>
+        <p:spPr>
+          <a:xfrm>
+            <a:off x="7687872" y="5899556"/>
+            <a:ext cx="1182624" cy="573024"/>
+          </a:xfrm>
+          <a:prstGeom prst="snip2SameRect">
+            <a:avLst/>
+          </a:prstGeom>
+          <a:solidFill>
+            <a:schemeClr val="accent1">
+              <a:lumMod val="60000"/>
+              <a:lumOff val="40000"/>
+            </a:schemeClr>
+          </a:solidFill>
+          <a:ln>
+            <a:solidFill>
+              <a:schemeClr val="tx1"/>
+            </a:solidFill>
+          </a:ln>
+        </p:spPr>
+        <p:style>
+          <a:lnRef idx="2">
+            <a:schemeClr val="accent1">
+              <a:shade val="50000"/>
+            </a:schemeClr>
+          </a:lnRef>
+          <a:fillRef idx="1">
+            <a:schemeClr val="accent1"/>
+          </a:fillRef>
+          <a:effectRef idx="0">
+            <a:schemeClr val="accent1"/>
+          </a:effectRef>
+          <a:fontRef idx="minor">
+            <a:schemeClr val="lt1"/>
+          </a:fontRef>
+        </p:style>
+        <p:txBody>
+          <a:bodyPr rtlCol="0" anchor="ctr"/>
+          <a:lstStyle/>
+          <a:p>
+            <a:pPr algn="ctr"/>
+            <a:r>
+              <a:rPr lang="en-US" sz="1000">
+                <a:solidFill>
+                  <a:schemeClr val="tx1"/>
+                </a:solidFill>
+              </a:rPr>
+              <a:t>Retain onsite 7 years</a:t>
+            </a:r>
+          </a:p>
+        </p:txBody>
+      </p:sp>
+      <p:cxnSp>
+        <p:nvCxnSpPr>
+          <p:cNvPr id="79" name="Straight Arrow Connector 78"/>
+          <p:cNvCxnSpPr>
+            <a:stCxn id="27" idx="4"/>
+            <a:endCxn id="74" idx="0"/>
+          </p:cNvCxnSpPr>
+          <p:nvPr/>
+        </p:nvCxnSpPr>
+        <p:spPr>
+          <a:xfrm>
+            <a:off x="5343526" y="3786134"/>
+            <a:ext cx="1647807" cy="675501"/>
+          </a:xfrm>
+          <a:prstGeom prst="straightConnector1">
+            <a:avLst/>
+          </a:prstGeom>
+          <a:ln>
+            <a:solidFill>
+              <a:schemeClr val="tx1"/>
+            </a:solidFill>
+            <a:prstDash val="solid"/>
+            <a:headEnd type="none" w="med" len="med"/>
+            <a:tailEnd type="arrow" w="med" len="med"/>
+          </a:ln>
+        </p:spPr>
+        <p:style>
+          <a:lnRef idx="1">
+            <a:schemeClr val="accent1"/>
+          </a:lnRef>
+          <a:fillRef idx="0">
+            <a:schemeClr val="accent1"/>
+          </a:fillRef>
+          <a:effectRef idx="0">
+            <a:schemeClr val="accent1"/>
+          </a:effectRef>
+          <a:fontRef idx="minor">
+            <a:schemeClr val="tx1"/>
+          </a:fontRef>
+        </p:style>
+      </p:cxnSp>
+      <p:cxnSp>
+        <p:nvCxnSpPr>
+          <p:cNvPr id="82" name="Straight Arrow Connector 81"/>
+          <p:cNvCxnSpPr>
+            <a:stCxn id="27" idx="4"/>
+            <a:endCxn id="75" idx="0"/>
+          </p:cNvCxnSpPr>
+          <p:nvPr/>
+        </p:nvCxnSpPr>
+        <p:spPr>
+          <a:xfrm>
+            <a:off x="5343526" y="3786134"/>
+            <a:ext cx="876391" cy="1401924"/>
+          </a:xfrm>
+          <a:prstGeom prst="straightConnector1">
+            <a:avLst/>
+          </a:prstGeom>
+          <a:ln>
+            <a:solidFill>
+              <a:schemeClr val="tx1"/>
+            </a:solidFill>
+            <a:prstDash val="solid"/>
+            <a:headEnd type="none" w="med" len="med"/>
+            <a:tailEnd type="arrow" w="med" len="med"/>
+          </a:ln>
+        </p:spPr>
+        <p:style>
+          <a:lnRef idx="1">
+            <a:schemeClr val="accent1"/>
+          </a:lnRef>
+          <a:fillRef idx="0">
+            <a:schemeClr val="accent1"/>
+          </a:fillRef>
+          <a:effectRef idx="0">
+            <a:schemeClr val="accent1"/>
+          </a:effectRef>
+          <a:fontRef idx="minor">
+            <a:schemeClr val="tx1"/>
+          </a:fontRef>
+        </p:style>
+      </p:cxnSp>
+      <p:sp>
+        <p:nvSpPr>
+          <p:cNvPr id="28" name="Folded Corner 27"/>
+          <p:cNvSpPr/>
+          <p:nvPr/>
+        </p:nvSpPr>
+        <p:spPr>
+          <a:xfrm>
+            <a:off x="4593747" y="4270158"/>
+            <a:ext cx="1499558" cy="573024"/>
+          </a:xfrm>
+          <a:prstGeom prst="foldedCorner">
+            <a:avLst/>
+          </a:prstGeom>
+          <a:solidFill>
+            <a:schemeClr val="accent6">
+              <a:lumMod val="60000"/>
+              <a:lumOff val="40000"/>
+            </a:schemeClr>
+          </a:solidFill>
+          <a:ln>
+            <a:solidFill>
+              <a:schemeClr val="tx1"/>
+            </a:solidFill>
+          </a:ln>
+        </p:spPr>
+        <p:style>
+          <a:lnRef idx="2">
+            <a:schemeClr val="accent1">
+              <a:shade val="50000"/>
+            </a:schemeClr>
+          </a:lnRef>
+          <a:fillRef idx="1">
+            <a:schemeClr val="accent1"/>
+          </a:fillRef>
+          <a:effectRef idx="0">
+            <a:schemeClr val="accent1"/>
+          </a:effectRef>
+          <a:fontRef idx="minor">
+            <a:schemeClr val="lt1"/>
+          </a:fontRef>
+        </p:style>
+        <p:txBody>
+          <a:bodyPr rtlCol="0" anchor="ctr"/>
+          <a:lstStyle/>
+          <a:p>
+            <a:pPr algn="ctr"/>
+            <a:r>
+              <a:rPr lang="en-US" sz="1000">
+                <a:solidFill>
+                  <a:schemeClr val="tx1"/>
+                </a:solidFill>
+              </a:rPr>
+              <a:t>Policy and Procedure Policy 2017 Final DOCX</a:t>
+            </a:r>
+          </a:p>
+        </p:txBody>
+      </p:sp>
+      <p:sp>
+        <p:nvSpPr>
+          <p:cNvPr id="30" name="TextBox 29"/>
+          <p:cNvSpPr txBox="1"/>
+          <p:nvPr/>
+        </p:nvSpPr>
+        <p:spPr>
+          <a:xfrm>
+            <a:off x="5238291" y="3917118"/>
+            <a:ext cx="775303" cy="246221"/>
+          </a:xfrm>
+          <a:prstGeom prst="rect">
+            <a:avLst/>
+          </a:prstGeom>
+          <a:solidFill>
+            <a:schemeClr val="bg1"/>
+          </a:solidFill>
+        </p:spPr>
+        <p:txBody>
+          <a:bodyPr wrap="square" rtlCol="0">
+            <a:spAutoFit/>
+          </a:bodyPr>
+          <a:lstStyle/>
+          <a:p>
+            <a:r>
+              <a:rPr lang="en-US" sz="1000"/>
+              <a:t>recordOf</a:t>
+            </a:r>
+          </a:p>
+        </p:txBody>
+      </p:sp>
+      <p:sp>
+        <p:nvSpPr>
+          <p:cNvPr id="12" name="Folded Corner 11"/>
+          <p:cNvSpPr/>
+          <p:nvPr/>
+        </p:nvSpPr>
+        <p:spPr>
+          <a:xfrm>
+            <a:off x="2538007" y="4270158"/>
+            <a:ext cx="1499558" cy="573024"/>
+          </a:xfrm>
+          <a:prstGeom prst="foldedCorner">
+            <a:avLst/>
+          </a:prstGeom>
+          <a:solidFill>
+            <a:schemeClr val="accent6">
+              <a:lumMod val="60000"/>
+              <a:lumOff val="40000"/>
+            </a:schemeClr>
+          </a:solidFill>
+          <a:ln>
+            <a:solidFill>
+              <a:schemeClr val="tx1"/>
+            </a:solidFill>
+          </a:ln>
+        </p:spPr>
+        <p:style>
+          <a:lnRef idx="2">
+            <a:schemeClr val="accent1">
+              <a:shade val="50000"/>
+            </a:schemeClr>
+          </a:lnRef>
+          <a:fillRef idx="1">
+            <a:schemeClr val="accent1"/>
+          </a:fillRef>
+          <a:effectRef idx="0">
+            <a:schemeClr val="accent1"/>
+          </a:effectRef>
+          <a:fontRef idx="minor">
+            <a:schemeClr val="lt1"/>
+          </a:fontRef>
+        </p:style>
+        <p:txBody>
+          <a:bodyPr rtlCol="0" anchor="ctr"/>
+          <a:lstStyle/>
+          <a:p>
+            <a:pPr algn="ctr"/>
+            <a:r>
+              <a:rPr lang="en-US" sz="1000">
+                <a:solidFill>
+                  <a:schemeClr val="tx1"/>
+                </a:solidFill>
+              </a:rPr>
+              <a:t>Policy and Procedure Policy 2017 Draft EML</a:t>
+            </a:r>
+          </a:p>
+        </p:txBody>
+      </p:sp>
+      <p:sp>
+        <p:nvSpPr>
+          <p:cNvPr id="90" name="TextBox 89"/>
+          <p:cNvSpPr txBox="1"/>
+          <p:nvPr/>
+        </p:nvSpPr>
+        <p:spPr>
+          <a:xfrm>
+            <a:off x="7377405" y="5439848"/>
+            <a:ext cx="1051891" cy="246221"/>
+          </a:xfrm>
+          <a:prstGeom prst="rect">
+            <a:avLst/>
+          </a:prstGeom>
+          <a:solidFill>
+            <a:schemeClr val="bg1"/>
+          </a:solidFill>
+        </p:spPr>
+        <p:txBody>
+          <a:bodyPr wrap="none" rtlCol="0">
+            <a:spAutoFit/>
+          </a:bodyPr>
+          <a:lstStyle/>
+          <a:p>
+            <a:r>
+              <a:rPr lang="en-US" sz="1000"/>
+              <a:t>hasDisposalClass</a:t>
+            </a:r>
+          </a:p>
+        </p:txBody>
+      </p:sp>
+      <p:sp>
+        <p:nvSpPr>
+          <p:cNvPr id="91" name="Folded Corner 90"/>
+          <p:cNvSpPr/>
+          <p:nvPr/>
+        </p:nvSpPr>
+        <p:spPr>
+          <a:xfrm>
+            <a:off x="10775902" y="3126028"/>
+            <a:ext cx="1178925" cy="573024"/>
+          </a:xfrm>
+          <a:prstGeom prst="foldedCorner">
+            <a:avLst/>
+          </a:prstGeom>
+          <a:solidFill>
+            <a:schemeClr val="accent6">
+              <a:lumMod val="60000"/>
+              <a:lumOff val="40000"/>
+            </a:schemeClr>
+          </a:solidFill>
+          <a:ln>
+            <a:solidFill>
+              <a:schemeClr val="tx1"/>
+            </a:solidFill>
+          </a:ln>
+        </p:spPr>
+        <p:style>
+          <a:lnRef idx="2">
+            <a:schemeClr val="accent1">
+              <a:shade val="50000"/>
+            </a:schemeClr>
+          </a:lnRef>
+          <a:fillRef idx="1">
+            <a:schemeClr val="accent1"/>
+          </a:fillRef>
+          <a:effectRef idx="0">
+            <a:schemeClr val="accent1"/>
+          </a:effectRef>
+          <a:fontRef idx="minor">
+            <a:schemeClr val="lt1"/>
+          </a:fontRef>
+        </p:style>
+        <p:txBody>
+          <a:bodyPr rtlCol="0" anchor="ctr"/>
+          <a:lstStyle/>
+          <a:p>
+            <a:pPr algn="ctr"/>
+            <a:r>
+              <a:rPr lang="en-US" sz="1000">
+                <a:solidFill>
+                  <a:schemeClr val="tx1"/>
+                </a:solidFill>
+              </a:rPr>
+              <a:t>Digital Artifact</a:t>
+            </a:r>
+          </a:p>
+        </p:txBody>
+      </p:sp>
+      <p:sp>
+        <p:nvSpPr>
+          <p:cNvPr id="92" name="TextBox 91"/>
+          <p:cNvSpPr txBox="1"/>
+          <p:nvPr/>
+        </p:nvSpPr>
+        <p:spPr>
+          <a:xfrm>
+            <a:off x="7657749" y="256526"/>
+            <a:ext cx="808235" cy="246221"/>
+          </a:xfrm>
+          <a:prstGeom prst="rect">
+            <a:avLst/>
+          </a:prstGeom>
+          <a:noFill/>
+        </p:spPr>
+        <p:txBody>
+          <a:bodyPr wrap="none" rtlCol="0">
+            <a:spAutoFit/>
+          </a:bodyPr>
+          <a:lstStyle/>
+          <a:p>
+            <a:r>
+              <a:rPr lang="en-US" sz="1000"/>
+              <a:t>data file DP </a:t>
+            </a:r>
+          </a:p>
+        </p:txBody>
+      </p:sp>
+      <p:sp>
+        <p:nvSpPr>
+          <p:cNvPr id="93" name="TextBox 92"/>
+          <p:cNvSpPr txBox="1"/>
+          <p:nvPr/>
+        </p:nvSpPr>
+        <p:spPr>
+          <a:xfrm>
+            <a:off x="8554269" y="256527"/>
+            <a:ext cx="873957" cy="246221"/>
+          </a:xfrm>
+          <a:prstGeom prst="rect">
+            <a:avLst/>
+          </a:prstGeom>
+          <a:noFill/>
+        </p:spPr>
+        <p:txBody>
+          <a:bodyPr wrap="none" rtlCol="0">
+            <a:spAutoFit/>
+          </a:bodyPr>
+          <a:lstStyle/>
+          <a:p>
+            <a:r>
+              <a:rPr lang="en-US" sz="1000"/>
+              <a:t>data file GOA</a:t>
+            </a:r>
+          </a:p>
+        </p:txBody>
+      </p:sp>
+      <p:cxnSp>
+        <p:nvCxnSpPr>
+          <p:cNvPr id="94" name="Straight Arrow Connector 93"/>
+          <p:cNvCxnSpPr/>
+          <p:nvPr/>
+        </p:nvCxnSpPr>
+        <p:spPr>
+          <a:xfrm flipH="1">
+            <a:off x="7331239" y="515423"/>
+            <a:ext cx="1057673" cy="0"/>
+          </a:xfrm>
+          <a:prstGeom prst="straightConnector1">
+            <a:avLst/>
+          </a:prstGeom>
+          <a:ln>
+            <a:solidFill>
+              <a:schemeClr val="tx1"/>
+            </a:solidFill>
+            <a:prstDash val="solid"/>
+            <a:headEnd type="none" w="med" len="med"/>
+            <a:tailEnd type="arrow" w="med" len="med"/>
+          </a:ln>
+        </p:spPr>
+        <p:style>
+          <a:lnRef idx="1">
+            <a:schemeClr val="accent1"/>
+          </a:lnRef>
+          <a:fillRef idx="0">
+            <a:schemeClr val="accent1"/>
+          </a:fillRef>
+          <a:effectRef idx="0">
+            <a:schemeClr val="accent1"/>
+          </a:effectRef>
+          <a:fontRef idx="minor">
+            <a:schemeClr val="tx1"/>
+          </a:fontRef>
+        </p:style>
+      </p:cxnSp>
+      <p:cxnSp>
+        <p:nvCxnSpPr>
+          <p:cNvPr id="101" name="Straight Arrow Connector 100"/>
+          <p:cNvCxnSpPr/>
+          <p:nvPr/>
+        </p:nvCxnSpPr>
+        <p:spPr>
+          <a:xfrm flipH="1">
+            <a:off x="8647622" y="515423"/>
+            <a:ext cx="1057673" cy="0"/>
+          </a:xfrm>
+          <a:prstGeom prst="straightConnector1">
+            <a:avLst/>
+          </a:prstGeom>
+          <a:ln>
+            <a:solidFill>
+              <a:schemeClr val="tx1"/>
+            </a:solidFill>
+            <a:prstDash val="solid"/>
+            <a:headEnd type="arrow" w="med" len="med"/>
+            <a:tailEnd type="none" w="med" len="med"/>
+          </a:ln>
+        </p:spPr>
+        <p:style>
+          <a:lnRef idx="1">
+            <a:schemeClr val="accent1"/>
+          </a:lnRef>
+          <a:fillRef idx="0">
+            <a:schemeClr val="accent1"/>
+          </a:fillRef>
+          <a:effectRef idx="0">
+            <a:schemeClr val="accent1"/>
+          </a:effectRef>
+          <a:fontRef idx="minor">
+            <a:schemeClr val="tx1"/>
+          </a:fontRef>
+        </p:style>
+      </p:cxnSp>
+      <p:sp>
+        <p:nvSpPr>
+          <p:cNvPr id="109" name="TextBox 108"/>
+          <p:cNvSpPr txBox="1"/>
+          <p:nvPr/>
+        </p:nvSpPr>
+        <p:spPr>
+          <a:xfrm>
+            <a:off x="19398" y="5270066"/>
+            <a:ext cx="1051891" cy="246221"/>
+          </a:xfrm>
+          <a:prstGeom prst="rect">
+            <a:avLst/>
+          </a:prstGeom>
+          <a:noFill/>
+        </p:spPr>
+        <p:txBody>
+          <a:bodyPr wrap="none" rtlCol="0">
+            <a:spAutoFit/>
+          </a:bodyPr>
+          <a:lstStyle/>
+          <a:p>
+            <a:r>
+              <a:rPr lang="en-US" sz="1000"/>
+              <a:t>hasDisposalClass</a:t>
+            </a:r>
+          </a:p>
+        </p:txBody>
+      </p:sp>
+      <p:sp>
+        <p:nvSpPr>
+          <p:cNvPr id="110" name="TextBox 109"/>
+          <p:cNvSpPr txBox="1"/>
+          <p:nvPr/>
+        </p:nvSpPr>
+        <p:spPr>
+          <a:xfrm>
+            <a:off x="2935714" y="5021686"/>
+            <a:ext cx="1051891" cy="246221"/>
+          </a:xfrm>
+          <a:prstGeom prst="rect">
+            <a:avLst/>
+          </a:prstGeom>
+          <a:noFill/>
+        </p:spPr>
+        <p:txBody>
+          <a:bodyPr wrap="none" rtlCol="0">
+            <a:spAutoFit/>
+          </a:bodyPr>
+          <a:lstStyle/>
+          <a:p>
+            <a:r>
+              <a:rPr lang="en-US" sz="1000"/>
+              <a:t>hasDisposalClass</a:t>
+            </a:r>
+          </a:p>
+        </p:txBody>
+      </p:sp>
+      <p:sp>
+        <p:nvSpPr>
+          <p:cNvPr id="111" name="TextBox 110"/>
+          <p:cNvSpPr txBox="1"/>
+          <p:nvPr/>
+        </p:nvSpPr>
+        <p:spPr>
+          <a:xfrm>
+            <a:off x="2055877" y="6038530"/>
+            <a:ext cx="620683" cy="246221"/>
+          </a:xfrm>
+          <a:prstGeom prst="rect">
+            <a:avLst/>
+          </a:prstGeom>
+          <a:noFill/>
+        </p:spPr>
+        <p:txBody>
+          <a:bodyPr wrap="none" rtlCol="0">
+            <a:spAutoFit/>
+          </a:bodyPr>
+          <a:lstStyle/>
+          <a:p>
+            <a:r>
+              <a:rPr lang="en-US" sz="1000"/>
+              <a:t>storedIn</a:t>
+            </a:r>
+          </a:p>
+        </p:txBody>
+      </p:sp>
+      <p:cxnSp>
+        <p:nvCxnSpPr>
+          <p:cNvPr id="119" name="Straight Arrow Connector 118"/>
+          <p:cNvCxnSpPr>
+            <a:stCxn id="28" idx="2"/>
+            <a:endCxn id="168" idx="0"/>
+          </p:cNvCxnSpPr>
+          <p:nvPr/>
+        </p:nvCxnSpPr>
+        <p:spPr>
+          <a:xfrm flipH="1">
+            <a:off x="3918778" y="4843182"/>
+            <a:ext cx="1424748" cy="1566130"/>
+          </a:xfrm>
+          <a:prstGeom prst="straightConnector1">
+            <a:avLst/>
+          </a:prstGeom>
+          <a:ln>
+            <a:solidFill>
+              <a:schemeClr val="tx1"/>
+            </a:solidFill>
+            <a:prstDash val="solid"/>
+            <a:headEnd type="none" w="med" len="med"/>
+            <a:tailEnd type="arrow" w="med" len="med"/>
+          </a:ln>
+        </p:spPr>
+        <p:style>
+          <a:lnRef idx="1">
+            <a:schemeClr val="accent1"/>
+          </a:lnRef>
+          <a:fillRef idx="0">
+            <a:schemeClr val="accent1"/>
+          </a:fillRef>
+          <a:effectRef idx="0">
+            <a:schemeClr val="accent1"/>
+          </a:effectRef>
+          <a:fontRef idx="minor">
+            <a:schemeClr val="tx1"/>
+          </a:fontRef>
+        </p:style>
+      </p:cxnSp>
+      <p:cxnSp>
+        <p:nvCxnSpPr>
+          <p:cNvPr id="122" name="Straight Arrow Connector 121"/>
+          <p:cNvCxnSpPr>
+            <a:stCxn id="74" idx="1"/>
+            <a:endCxn id="168" idx="0"/>
+          </p:cNvCxnSpPr>
+          <p:nvPr/>
+        </p:nvCxnSpPr>
+        <p:spPr>
+          <a:xfrm flipH="1">
+            <a:off x="3918778" y="4748147"/>
+            <a:ext cx="2322776" cy="1661165"/>
+          </a:xfrm>
+          <a:prstGeom prst="straightConnector1">
+            <a:avLst/>
+          </a:prstGeom>
+          <a:ln>
+            <a:solidFill>
+              <a:schemeClr val="tx1"/>
+            </a:solidFill>
+            <a:prstDash val="solid"/>
+            <a:headEnd type="none" w="med" len="med"/>
+            <a:tailEnd type="arrow" w="med" len="med"/>
+          </a:ln>
+        </p:spPr>
+        <p:style>
+          <a:lnRef idx="1">
+            <a:schemeClr val="accent1"/>
+          </a:lnRef>
+          <a:fillRef idx="0">
+            <a:schemeClr val="accent1"/>
+          </a:fillRef>
+          <a:effectRef idx="0">
+            <a:schemeClr val="accent1"/>
+          </a:effectRef>
+          <a:fontRef idx="minor">
+            <a:schemeClr val="tx1"/>
+          </a:fontRef>
+        </p:style>
+      </p:cxnSp>
+      <p:cxnSp>
+        <p:nvCxnSpPr>
+          <p:cNvPr id="125" name="Straight Arrow Connector 124"/>
+          <p:cNvCxnSpPr>
+            <a:stCxn id="75" idx="1"/>
+            <a:endCxn id="168" idx="0"/>
+          </p:cNvCxnSpPr>
+          <p:nvPr/>
+        </p:nvCxnSpPr>
+        <p:spPr>
+          <a:xfrm flipH="1">
+            <a:off x="3918778" y="5474570"/>
+            <a:ext cx="1551360" cy="934742"/>
+          </a:xfrm>
+          <a:prstGeom prst="straightConnector1">
+            <a:avLst/>
+          </a:prstGeom>
+          <a:ln>
+            <a:solidFill>
+              <a:schemeClr val="tx1"/>
+            </a:solidFill>
+            <a:prstDash val="solid"/>
+            <a:headEnd type="none" w="med" len="med"/>
+            <a:tailEnd type="arrow" w="med" len="med"/>
+          </a:ln>
+        </p:spPr>
+        <p:style>
+          <a:lnRef idx="1">
+            <a:schemeClr val="accent1"/>
+          </a:lnRef>
+          <a:fillRef idx="0">
+            <a:schemeClr val="accent1"/>
+          </a:fillRef>
+          <a:effectRef idx="0">
+            <a:schemeClr val="accent1"/>
+          </a:effectRef>
+          <a:fontRef idx="minor">
+            <a:schemeClr val="tx1"/>
+          </a:fontRef>
+        </p:style>
+      </p:cxnSp>
+      <p:sp>
+        <p:nvSpPr>
+          <p:cNvPr id="75" name="Folded Corner 74"/>
+          <p:cNvSpPr/>
+          <p:nvPr/>
+        </p:nvSpPr>
+        <p:spPr>
+          <a:xfrm>
+            <a:off x="5470138" y="5188058"/>
+            <a:ext cx="1499558" cy="573024"/>
+          </a:xfrm>
+          <a:prstGeom prst="foldedCorner">
+            <a:avLst/>
+          </a:prstGeom>
+          <a:solidFill>
+            <a:schemeClr val="accent6">
+              <a:lumMod val="60000"/>
+              <a:lumOff val="40000"/>
+            </a:schemeClr>
+          </a:solidFill>
+          <a:ln>
+            <a:solidFill>
+              <a:schemeClr val="tx1"/>
+            </a:solidFill>
+          </a:ln>
+        </p:spPr>
+        <p:style>
+          <a:lnRef idx="2">
+            <a:schemeClr val="accent1">
+              <a:shade val="50000"/>
+            </a:schemeClr>
+          </a:lnRef>
+          <a:fillRef idx="1">
+            <a:schemeClr val="accent1"/>
+          </a:fillRef>
+          <a:effectRef idx="0">
+            <a:schemeClr val="accent1"/>
+          </a:effectRef>
+          <a:fontRef idx="minor">
+            <a:schemeClr val="lt1"/>
+          </a:fontRef>
+        </p:style>
+        <p:txBody>
+          <a:bodyPr rtlCol="0" anchor="ctr"/>
+          <a:lstStyle/>
+          <a:p>
+            <a:pPr algn="ctr"/>
+            <a:r>
+              <a:rPr lang="en-US" sz="1000">
+                <a:solidFill>
+                  <a:schemeClr val="tx1"/>
+                </a:solidFill>
+              </a:rPr>
+              <a:t>Policy and Procedure Policy 2017 Final Appendix A DOCX</a:t>
+            </a:r>
+          </a:p>
+        </p:txBody>
+      </p:sp>
+      <p:sp>
+        <p:nvSpPr>
+          <p:cNvPr id="216" name="TextBox 215"/>
+          <p:cNvSpPr txBox="1"/>
+          <p:nvPr/>
+        </p:nvSpPr>
+        <p:spPr>
+          <a:xfrm>
+            <a:off x="4069742" y="5924732"/>
+            <a:ext cx="700232" cy="246221"/>
+          </a:xfrm>
+          <a:prstGeom prst="rect">
+            <a:avLst/>
+          </a:prstGeom>
+          <a:solidFill>
+            <a:schemeClr val="bg1"/>
+          </a:solidFill>
+        </p:spPr>
+        <p:txBody>
+          <a:bodyPr wrap="square" rtlCol="0">
+            <a:spAutoFit/>
+          </a:bodyPr>
+          <a:lstStyle/>
+          <a:p>
+            <a:r>
+              <a:rPr lang="en-US" sz="1000"/>
+              <a:t>storedIn</a:t>
             </a:r>
           </a:p>
         </p:txBody>

--- a/examples/graphs.pptx
+++ b/examples/graphs.pptx
@@ -8055,7 +8055,7 @@
         </p:nvSpPr>
         <p:spPr>
           <a:xfrm>
-            <a:off x="6553470" y="5822314"/>
+            <a:off x="6699288" y="5865410"/>
             <a:ext cx="1051891" cy="246221"/>
           </a:xfrm>
           <a:prstGeom prst="rect">
@@ -8247,7 +8247,7 @@
                   <a:schemeClr val="tx1"/>
                 </a:solidFill>
               </a:rPr>
-              <a:t>Dept Planning HPRM</a:t>
+              <a:t>Dept Planning SharePoint</a:t>
             </a:r>
           </a:p>
         </p:txBody>
@@ -8305,7 +8305,7 @@
                   <a:schemeClr val="tx1"/>
                 </a:solidFill>
               </a:rPr>
-              <a:t>Gov. Orch. Agency SharePoint</a:t>
+              <a:t>Gov. Orch. Agency HPRM</a:t>
             </a:r>
           </a:p>
         </p:txBody>
@@ -9314,7 +9314,7 @@
                   <a:schemeClr val="tx1"/>
                 </a:solidFill>
               </a:rPr>
-              <a:t>Digital Artifact</a:t>
+              <a:t>Digital Artefact</a:t>
             </a:r>
           </a:p>
         </p:txBody>
@@ -9600,7 +9600,7 @@
           </a:prstGeom>
           <a:ln>
             <a:solidFill>
-              <a:schemeClr val="tx1"/>
+              <a:srgbClr val="FF0000"/>
             </a:solidFill>
             <a:prstDash val="solid"/>
             <a:headEnd type="none" w="med" len="med"/>
@@ -9665,6 +9665,264 @@
       </p:cxnSp>
       <p:sp>
         <p:nvSpPr>
+          <p:cNvPr id="216" name="TextBox 215"/>
+          <p:cNvSpPr txBox="1"/>
+          <p:nvPr/>
+        </p:nvSpPr>
+        <p:spPr>
+          <a:xfrm>
+            <a:off x="4069742" y="5924732"/>
+            <a:ext cx="700232" cy="246221"/>
+          </a:xfrm>
+          <a:prstGeom prst="rect">
+            <a:avLst/>
+          </a:prstGeom>
+          <a:solidFill>
+            <a:schemeClr val="bg1"/>
+          </a:solidFill>
+        </p:spPr>
+        <p:txBody>
+          <a:bodyPr wrap="square" rtlCol="0">
+            <a:spAutoFit/>
+          </a:bodyPr>
+          <a:lstStyle/>
+          <a:p>
+            <a:r>
+              <a:rPr lang="en-US" sz="1000"/>
+              <a:t>storedIn</a:t>
+            </a:r>
+          </a:p>
+        </p:txBody>
+      </p:sp>
+      <p:sp>
+        <p:nvSpPr>
+          <p:cNvPr id="128" name="TextBox 127"/>
+          <p:cNvSpPr txBox="1"/>
+          <p:nvPr/>
+        </p:nvSpPr>
+        <p:spPr>
+          <a:xfrm>
+            <a:off x="4714766" y="6194221"/>
+            <a:ext cx="933269" cy="246221"/>
+          </a:xfrm>
+          <a:prstGeom prst="rect">
+            <a:avLst/>
+          </a:prstGeom>
+          <a:noFill/>
+        </p:spPr>
+        <p:txBody>
+          <a:bodyPr wrap="none" rtlCol="0">
+            <a:spAutoFit/>
+          </a:bodyPr>
+          <a:lstStyle/>
+          <a:p>
+            <a:r>
+              <a:rPr lang="en-US" sz="1000">
+                <a:solidFill>
+                  <a:srgbClr val="FF0000"/>
+                </a:solidFill>
+              </a:rPr>
+              <a:t>as it should be</a:t>
+            </a:r>
+          </a:p>
+        </p:txBody>
+      </p:sp>
+      <p:cxnSp>
+        <p:nvCxnSpPr>
+          <p:cNvPr id="129" name="Curved Connector 128"/>
+          <p:cNvCxnSpPr>
+            <a:stCxn id="128" idx="0"/>
+          </p:cNvCxnSpPr>
+          <p:nvPr/>
+        </p:nvCxnSpPr>
+        <p:spPr>
+          <a:xfrm rot="16200000" flipV="1">
+            <a:off x="4847369" y="5860189"/>
+            <a:ext cx="574080" cy="93984"/>
+          </a:xfrm>
+          <a:prstGeom prst="curvedConnector3">
+            <a:avLst>
+              <a:gd name="adj1" fmla="val 50000"/>
+            </a:avLst>
+          </a:prstGeom>
+          <a:ln>
+            <a:solidFill>
+              <a:srgbClr val="FF0000"/>
+            </a:solidFill>
+            <a:prstDash val="sysDot"/>
+            <a:headEnd type="none" w="med" len="med"/>
+            <a:tailEnd type="arrow" w="med" len="med"/>
+          </a:ln>
+        </p:spPr>
+        <p:style>
+          <a:lnRef idx="1">
+            <a:schemeClr val="accent1"/>
+          </a:lnRef>
+          <a:fillRef idx="0">
+            <a:schemeClr val="accent1"/>
+          </a:fillRef>
+          <a:effectRef idx="0">
+            <a:schemeClr val="accent1"/>
+          </a:effectRef>
+          <a:fontRef idx="minor">
+            <a:schemeClr val="tx1"/>
+          </a:fontRef>
+        </p:style>
+      </p:cxnSp>
+      <p:sp>
+        <p:nvSpPr>
+          <p:cNvPr id="136" name="TextBox 135"/>
+          <p:cNvSpPr txBox="1"/>
+          <p:nvPr/>
+        </p:nvSpPr>
+        <p:spPr>
+          <a:xfrm>
+            <a:off x="5648035" y="6575745"/>
+            <a:ext cx="1088760" cy="246221"/>
+          </a:xfrm>
+          <a:prstGeom prst="rect">
+            <a:avLst/>
+          </a:prstGeom>
+          <a:noFill/>
+        </p:spPr>
+        <p:txBody>
+          <a:bodyPr wrap="none" rtlCol="0">
+            <a:spAutoFit/>
+          </a:bodyPr>
+          <a:lstStyle/>
+          <a:p>
+            <a:r>
+              <a:rPr lang="en-US" sz="1000">
+                <a:solidFill>
+                  <a:srgbClr val="0070C0"/>
+                </a:solidFill>
+              </a:rPr>
+              <a:t>as it incorrectly is</a:t>
+            </a:r>
+          </a:p>
+        </p:txBody>
+      </p:sp>
+      <p:cxnSp>
+        <p:nvCxnSpPr>
+          <p:cNvPr id="137" name="Curved Connector 136"/>
+          <p:cNvCxnSpPr>
+            <a:stCxn id="136" idx="0"/>
+          </p:cNvCxnSpPr>
+          <p:nvPr/>
+        </p:nvCxnSpPr>
+        <p:spPr>
+          <a:xfrm rot="16200000" flipV="1">
+            <a:off x="5986943" y="6370272"/>
+            <a:ext cx="358044" cy="52901"/>
+          </a:xfrm>
+          <a:prstGeom prst="curvedConnector3">
+            <a:avLst>
+              <a:gd name="adj1" fmla="val 50000"/>
+            </a:avLst>
+          </a:prstGeom>
+          <a:ln>
+            <a:solidFill>
+              <a:schemeClr val="accent1"/>
+            </a:solidFill>
+            <a:prstDash val="sysDot"/>
+            <a:headEnd type="none" w="med" len="med"/>
+            <a:tailEnd type="arrow" w="med" len="med"/>
+          </a:ln>
+        </p:spPr>
+        <p:style>
+          <a:lnRef idx="1">
+            <a:schemeClr val="accent1"/>
+          </a:lnRef>
+          <a:fillRef idx="0">
+            <a:schemeClr val="accent1"/>
+          </a:fillRef>
+          <a:effectRef idx="0">
+            <a:schemeClr val="accent1"/>
+          </a:effectRef>
+          <a:fontRef idx="minor">
+            <a:schemeClr val="tx1"/>
+          </a:fontRef>
+        </p:style>
+      </p:cxnSp>
+      <p:sp>
+        <p:nvSpPr>
+          <p:cNvPr id="141" name="TextBox 140"/>
+          <p:cNvSpPr txBox="1"/>
+          <p:nvPr/>
+        </p:nvSpPr>
+        <p:spPr>
+          <a:xfrm>
+            <a:off x="4178978" y="6540946"/>
+            <a:ext cx="620683" cy="246221"/>
+          </a:xfrm>
+          <a:prstGeom prst="rect">
+            <a:avLst/>
+          </a:prstGeom>
+          <a:solidFill>
+            <a:schemeClr val="bg1"/>
+          </a:solidFill>
+        </p:spPr>
+        <p:txBody>
+          <a:bodyPr wrap="none" rtlCol="0">
+            <a:spAutoFit/>
+          </a:bodyPr>
+          <a:lstStyle/>
+          <a:p>
+            <a:r>
+              <a:rPr lang="en-US" sz="1000">
+                <a:solidFill>
+                  <a:srgbClr val="0070C0"/>
+                </a:solidFill>
+              </a:rPr>
+              <a:t>storedIn</a:t>
+            </a:r>
+          </a:p>
+        </p:txBody>
+      </p:sp>
+      <p:cxnSp>
+        <p:nvCxnSpPr>
+          <p:cNvPr id="132" name="Curved Connector 131"/>
+          <p:cNvCxnSpPr>
+            <a:stCxn id="74" idx="2"/>
+            <a:endCxn id="169" idx="1"/>
+          </p:cNvCxnSpPr>
+          <p:nvPr/>
+        </p:nvCxnSpPr>
+        <p:spPr>
+          <a:xfrm rot="5400000">
+            <a:off x="3266039" y="2970867"/>
+            <a:ext cx="1661503" cy="5789087"/>
+          </a:xfrm>
+          <a:prstGeom prst="curvedConnector3">
+            <a:avLst>
+              <a:gd name="adj1" fmla="val 106228"/>
+            </a:avLst>
+          </a:prstGeom>
+          <a:ln>
+            <a:solidFill>
+              <a:schemeClr val="accent1"/>
+            </a:solidFill>
+            <a:headEnd type="none" w="med" len="med"/>
+            <a:tailEnd type="arrow" w="med" len="med"/>
+          </a:ln>
+        </p:spPr>
+        <p:style>
+          <a:lnRef idx="1">
+            <a:schemeClr val="accent1"/>
+          </a:lnRef>
+          <a:fillRef idx="0">
+            <a:schemeClr val="accent1"/>
+          </a:fillRef>
+          <a:effectRef idx="0">
+            <a:schemeClr val="accent1"/>
+          </a:effectRef>
+          <a:fontRef idx="minor">
+            <a:schemeClr val="tx1"/>
+          </a:fontRef>
+        </p:style>
+      </p:cxnSp>
+      <p:sp>
+        <p:nvSpPr>
           <p:cNvPr id="75" name="Folded Corner 74"/>
           <p:cNvSpPr/>
           <p:nvPr/>
@@ -9717,37 +9975,6 @@
                 </a:solidFill>
               </a:rPr>
               <a:t>Policy and Procedure Policy 2017 Final Appendix A DOCX</a:t>
-            </a:r>
-          </a:p>
-        </p:txBody>
-      </p:sp>
-      <p:sp>
-        <p:nvSpPr>
-          <p:cNvPr id="216" name="TextBox 215"/>
-          <p:cNvSpPr txBox="1"/>
-          <p:nvPr/>
-        </p:nvSpPr>
-        <p:spPr>
-          <a:xfrm>
-            <a:off x="4069742" y="5924732"/>
-            <a:ext cx="700232" cy="246221"/>
-          </a:xfrm>
-          <a:prstGeom prst="rect">
-            <a:avLst/>
-          </a:prstGeom>
-          <a:solidFill>
-            <a:schemeClr val="bg1"/>
-          </a:solidFill>
-        </p:spPr>
-        <p:txBody>
-          <a:bodyPr wrap="square" rtlCol="0">
-            <a:spAutoFit/>
-          </a:bodyPr>
-          <a:lstStyle/>
-          <a:p>
-            <a:r>
-              <a:rPr lang="en-US" sz="1000"/>
-              <a:t>storedIn</a:t>
             </a:r>
           </a:p>
         </p:txBody>
